--- a/Documentos/er.pptx
+++ b/Documentos/er.pptx
@@ -289,7 +289,7 @@
             <a:fld id="{21B9F558-6522-4C10-99CA-66D81924EF51}" type="datetimeFigureOut">
               <a:rPr lang="es-VE" smtClean="0"/>
               <a:pPr/>
-              <a:t>6/20/13</a:t>
+              <a:t>7/9/13</a:t>
             </a:fld>
             <a:endParaRPr lang="es-VE"/>
           </a:p>
@@ -456,7 +456,7 @@
             <a:fld id="{21B9F558-6522-4C10-99CA-66D81924EF51}" type="datetimeFigureOut">
               <a:rPr lang="es-VE" smtClean="0"/>
               <a:pPr/>
-              <a:t>6/20/13</a:t>
+              <a:t>7/9/13</a:t>
             </a:fld>
             <a:endParaRPr lang="es-VE"/>
           </a:p>
@@ -633,7 +633,7 @@
             <a:fld id="{21B9F558-6522-4C10-99CA-66D81924EF51}" type="datetimeFigureOut">
               <a:rPr lang="es-VE" smtClean="0"/>
               <a:pPr/>
-              <a:t>6/20/13</a:t>
+              <a:t>7/9/13</a:t>
             </a:fld>
             <a:endParaRPr lang="es-VE"/>
           </a:p>
@@ -800,7 +800,7 @@
             <a:fld id="{21B9F558-6522-4C10-99CA-66D81924EF51}" type="datetimeFigureOut">
               <a:rPr lang="es-VE" smtClean="0"/>
               <a:pPr/>
-              <a:t>6/20/13</a:t>
+              <a:t>7/9/13</a:t>
             </a:fld>
             <a:endParaRPr lang="es-VE"/>
           </a:p>
@@ -1043,7 +1043,7 @@
             <a:fld id="{21B9F558-6522-4C10-99CA-66D81924EF51}" type="datetimeFigureOut">
               <a:rPr lang="es-VE" smtClean="0"/>
               <a:pPr/>
-              <a:t>6/20/13</a:t>
+              <a:t>7/9/13</a:t>
             </a:fld>
             <a:endParaRPr lang="es-VE"/>
           </a:p>
@@ -1328,7 +1328,7 @@
             <a:fld id="{21B9F558-6522-4C10-99CA-66D81924EF51}" type="datetimeFigureOut">
               <a:rPr lang="es-VE" smtClean="0"/>
               <a:pPr/>
-              <a:t>6/20/13</a:t>
+              <a:t>7/9/13</a:t>
             </a:fld>
             <a:endParaRPr lang="es-VE"/>
           </a:p>
@@ -1747,7 +1747,7 @@
             <a:fld id="{21B9F558-6522-4C10-99CA-66D81924EF51}" type="datetimeFigureOut">
               <a:rPr lang="es-VE" smtClean="0"/>
               <a:pPr/>
-              <a:t>6/20/13</a:t>
+              <a:t>7/9/13</a:t>
             </a:fld>
             <a:endParaRPr lang="es-VE"/>
           </a:p>
@@ -1862,7 +1862,7 @@
             <a:fld id="{21B9F558-6522-4C10-99CA-66D81924EF51}" type="datetimeFigureOut">
               <a:rPr lang="es-VE" smtClean="0"/>
               <a:pPr/>
-              <a:t>6/20/13</a:t>
+              <a:t>7/9/13</a:t>
             </a:fld>
             <a:endParaRPr lang="es-VE"/>
           </a:p>
@@ -1954,7 +1954,7 @@
             <a:fld id="{21B9F558-6522-4C10-99CA-66D81924EF51}" type="datetimeFigureOut">
               <a:rPr lang="es-VE" smtClean="0"/>
               <a:pPr/>
-              <a:t>6/20/13</a:t>
+              <a:t>7/9/13</a:t>
             </a:fld>
             <a:endParaRPr lang="es-VE"/>
           </a:p>
@@ -2228,7 +2228,7 @@
             <a:fld id="{21B9F558-6522-4C10-99CA-66D81924EF51}" type="datetimeFigureOut">
               <a:rPr lang="es-VE" smtClean="0"/>
               <a:pPr/>
-              <a:t>6/20/13</a:t>
+              <a:t>7/9/13</a:t>
             </a:fld>
             <a:endParaRPr lang="es-VE"/>
           </a:p>
@@ -2478,7 +2478,7 @@
             <a:fld id="{21B9F558-6522-4C10-99CA-66D81924EF51}" type="datetimeFigureOut">
               <a:rPr lang="es-VE" smtClean="0"/>
               <a:pPr/>
-              <a:t>6/20/13</a:t>
+              <a:t>7/9/13</a:t>
             </a:fld>
             <a:endParaRPr lang="es-VE"/>
           </a:p>
@@ -2688,7 +2688,7 @@
             <a:fld id="{21B9F558-6522-4C10-99CA-66D81924EF51}" type="datetimeFigureOut">
               <a:rPr lang="es-VE" smtClean="0"/>
               <a:pPr/>
-              <a:t>6/20/13</a:t>
+              <a:t>7/9/13</a:t>
             </a:fld>
             <a:endParaRPr lang="es-VE"/>
           </a:p>
@@ -5101,6 +5101,29 @@
                 </a:solidFill>
               </a:rPr>
               <a:t>fechaYhoraDeploy</a:t>
+            </a:r>
+            <a:endParaRPr lang="en-US" sz="1000" dirty="0" smtClean="0">
+              <a:solidFill>
+                <a:schemeClr val="tx1"/>
+              </a:solidFill>
+            </a:endParaRPr>
+          </a:p>
+          <a:p>
+            <a:r>
+              <a:rPr lang="en-US" sz="1000" dirty="0" smtClean="0">
+                <a:solidFill>
+                  <a:schemeClr val="tx1"/>
+                </a:solidFill>
+              </a:rPr>
+              <a:t>*</a:t>
+            </a:r>
+            <a:r>
+              <a:rPr lang="en-US" sz="1000" dirty="0" err="1" smtClean="0">
+                <a:solidFill>
+                  <a:schemeClr val="tx1"/>
+                </a:solidFill>
+              </a:rPr>
+              <a:t>idProceso</a:t>
             </a:r>
             <a:endParaRPr lang="en-US" sz="1000" dirty="0" smtClean="0">
               <a:solidFill>

--- a/Documentos/er.pptx
+++ b/Documentos/er.pptx
@@ -289,7 +289,7 @@
             <a:fld id="{21B9F558-6522-4C10-99CA-66D81924EF51}" type="datetimeFigureOut">
               <a:rPr lang="es-VE" smtClean="0"/>
               <a:pPr/>
-              <a:t>7/9/13</a:t>
+              <a:t>7/12/13</a:t>
             </a:fld>
             <a:endParaRPr lang="es-VE"/>
           </a:p>
@@ -456,7 +456,7 @@
             <a:fld id="{21B9F558-6522-4C10-99CA-66D81924EF51}" type="datetimeFigureOut">
               <a:rPr lang="es-VE" smtClean="0"/>
               <a:pPr/>
-              <a:t>7/9/13</a:t>
+              <a:t>7/12/13</a:t>
             </a:fld>
             <a:endParaRPr lang="es-VE"/>
           </a:p>
@@ -633,7 +633,7 @@
             <a:fld id="{21B9F558-6522-4C10-99CA-66D81924EF51}" type="datetimeFigureOut">
               <a:rPr lang="es-VE" smtClean="0"/>
               <a:pPr/>
-              <a:t>7/9/13</a:t>
+              <a:t>7/12/13</a:t>
             </a:fld>
             <a:endParaRPr lang="es-VE"/>
           </a:p>
@@ -800,7 +800,7 @@
             <a:fld id="{21B9F558-6522-4C10-99CA-66D81924EF51}" type="datetimeFigureOut">
               <a:rPr lang="es-VE" smtClean="0"/>
               <a:pPr/>
-              <a:t>7/9/13</a:t>
+              <a:t>7/12/13</a:t>
             </a:fld>
             <a:endParaRPr lang="es-VE"/>
           </a:p>
@@ -1043,7 +1043,7 @@
             <a:fld id="{21B9F558-6522-4C10-99CA-66D81924EF51}" type="datetimeFigureOut">
               <a:rPr lang="es-VE" smtClean="0"/>
               <a:pPr/>
-              <a:t>7/9/13</a:t>
+              <a:t>7/12/13</a:t>
             </a:fld>
             <a:endParaRPr lang="es-VE"/>
           </a:p>
@@ -1328,7 +1328,7 @@
             <a:fld id="{21B9F558-6522-4C10-99CA-66D81924EF51}" type="datetimeFigureOut">
               <a:rPr lang="es-VE" smtClean="0"/>
               <a:pPr/>
-              <a:t>7/9/13</a:t>
+              <a:t>7/12/13</a:t>
             </a:fld>
             <a:endParaRPr lang="es-VE"/>
           </a:p>
@@ -1747,7 +1747,7 @@
             <a:fld id="{21B9F558-6522-4C10-99CA-66D81924EF51}" type="datetimeFigureOut">
               <a:rPr lang="es-VE" smtClean="0"/>
               <a:pPr/>
-              <a:t>7/9/13</a:t>
+              <a:t>7/12/13</a:t>
             </a:fld>
             <a:endParaRPr lang="es-VE"/>
           </a:p>
@@ -1862,7 +1862,7 @@
             <a:fld id="{21B9F558-6522-4C10-99CA-66D81924EF51}" type="datetimeFigureOut">
               <a:rPr lang="es-VE" smtClean="0"/>
               <a:pPr/>
-              <a:t>7/9/13</a:t>
+              <a:t>7/12/13</a:t>
             </a:fld>
             <a:endParaRPr lang="es-VE"/>
           </a:p>
@@ -1954,7 +1954,7 @@
             <a:fld id="{21B9F558-6522-4C10-99CA-66D81924EF51}" type="datetimeFigureOut">
               <a:rPr lang="es-VE" smtClean="0"/>
               <a:pPr/>
-              <a:t>7/9/13</a:t>
+              <a:t>7/12/13</a:t>
             </a:fld>
             <a:endParaRPr lang="es-VE"/>
           </a:p>
@@ -2228,7 +2228,7 @@
             <a:fld id="{21B9F558-6522-4C10-99CA-66D81924EF51}" type="datetimeFigureOut">
               <a:rPr lang="es-VE" smtClean="0"/>
               <a:pPr/>
-              <a:t>7/9/13</a:t>
+              <a:t>7/12/13</a:t>
             </a:fld>
             <a:endParaRPr lang="es-VE"/>
           </a:p>
@@ -2478,7 +2478,7 @@
             <a:fld id="{21B9F558-6522-4C10-99CA-66D81924EF51}" type="datetimeFigureOut">
               <a:rPr lang="es-VE" smtClean="0"/>
               <a:pPr/>
-              <a:t>7/9/13</a:t>
+              <a:t>7/12/13</a:t>
             </a:fld>
             <a:endParaRPr lang="es-VE"/>
           </a:p>
@@ -2688,7 +2688,7 @@
             <a:fld id="{21B9F558-6522-4C10-99CA-66D81924EF51}" type="datetimeFigureOut">
               <a:rPr lang="es-VE" smtClean="0"/>
               <a:pPr/>
-              <a:t>7/9/13</a:t>
+              <a:t>7/12/13</a:t>
             </a:fld>
             <a:endParaRPr lang="es-VE"/>
           </a:p>
@@ -3067,7 +3067,7 @@
         </p:nvSpPr>
         <p:spPr>
           <a:xfrm>
-            <a:off x="1403648" y="1052736"/>
+            <a:off x="899592" y="0"/>
             <a:ext cx="936104" cy="864096"/>
           </a:xfrm>
           <a:prstGeom prst="roundRect">
@@ -3180,7 +3180,7 @@
         <p:spPr>
           <a:xfrm>
             <a:off x="2699792" y="2492896"/>
-            <a:ext cx="1512168" cy="1152128"/>
+            <a:ext cx="1512168" cy="864096"/>
           </a:xfrm>
           <a:prstGeom prst="roundRect">
             <a:avLst>
@@ -3274,7 +3274,7 @@
                   <a:schemeClr val="tx1"/>
                 </a:solidFill>
               </a:rPr>
-              <a:t>pathEjecutable</a:t>
+              <a:t>fechaActualización</a:t>
             </a:r>
             <a:endParaRPr lang="en-US" sz="1000" dirty="0" smtClean="0">
               <a:solidFill>
@@ -3282,43 +3282,18 @@
               </a:solidFill>
             </a:endParaRPr>
           </a:p>
-          <a:p>
-            <a:r>
-              <a:rPr lang="en-US" sz="1000" dirty="0" smtClean="0">
-                <a:solidFill>
-                  <a:schemeClr val="tx1"/>
-                </a:solidFill>
-              </a:rPr>
-              <a:t>*</a:t>
-            </a:r>
-            <a:r>
-              <a:rPr lang="en-US" sz="1000" dirty="0" err="1" smtClean="0">
-                <a:solidFill>
-                  <a:schemeClr val="tx1"/>
-                </a:solidFill>
-              </a:rPr>
-              <a:t>fechaActualización</a:t>
-            </a:r>
-            <a:endParaRPr lang="en-US" sz="1000" dirty="0" smtClean="0">
-              <a:solidFill>
-                <a:schemeClr val="tx1"/>
-              </a:solidFill>
-            </a:endParaRPr>
-          </a:p>
         </p:txBody>
       </p:sp>
       <p:cxnSp>
         <p:nvCxnSpPr>
           <p:cNvPr id="10" name="Elbow Connector 307"/>
-          <p:cNvCxnSpPr>
-            <a:endCxn id="8" idx="1"/>
-          </p:cNvCxnSpPr>
+          <p:cNvCxnSpPr/>
           <p:nvPr/>
         </p:nvCxnSpPr>
         <p:spPr>
-          <a:xfrm>
-            <a:off x="1835696" y="3068960"/>
-            <a:ext cx="864096" cy="12700"/>
+          <a:xfrm rot="16200000" flipH="1">
+            <a:off x="2159732" y="1736812"/>
+            <a:ext cx="864096" cy="648072"/>
           </a:xfrm>
           <a:prstGeom prst="bentConnector3">
             <a:avLst>
@@ -3355,8 +3330,8 @@
         </p:nvCxnSpPr>
         <p:spPr>
           <a:xfrm>
-            <a:off x="1835696" y="1916832"/>
-            <a:ext cx="0" cy="1152128"/>
+            <a:off x="1619672" y="1628800"/>
+            <a:ext cx="648072" cy="0"/>
           </a:xfrm>
           <a:prstGeom prst="line">
             <a:avLst/>
@@ -3550,7 +3525,7 @@
                   <a:schemeClr val="tx1"/>
                 </a:solidFill>
               </a:rPr>
-              <a:t>imágen</a:t>
+              <a:t>ruta_imágen</a:t>
             </a:r>
             <a:endParaRPr lang="en-US" sz="1000" dirty="0" smtClean="0">
               <a:solidFill>
@@ -3767,52 +3742,6 @@
                 <a:schemeClr val="tx1"/>
               </a:solidFill>
             </a:endParaRPr>
-          </a:p>
-        </p:txBody>
-      </p:sp>
-      <p:sp>
-        <p:nvSpPr>
-          <p:cNvPr id="26" name="25 Triángulo isósceles"/>
-          <p:cNvSpPr/>
-          <p:nvPr/>
-        </p:nvSpPr>
-        <p:spPr>
-          <a:xfrm rot="10800000">
-            <a:off x="1691680" y="1916832"/>
-            <a:ext cx="288032" cy="144016"/>
-          </a:xfrm>
-          <a:prstGeom prst="triangle">
-            <a:avLst/>
-          </a:prstGeom>
-          <a:noFill/>
-          <a:ln w="9525" cmpd="sng">
-            <a:solidFill>
-              <a:schemeClr val="tx1"/>
-            </a:solidFill>
-          </a:ln>
-        </p:spPr>
-        <p:style>
-          <a:lnRef idx="2">
-            <a:schemeClr val="accent1">
-              <a:shade val="50000"/>
-            </a:schemeClr>
-          </a:lnRef>
-          <a:fillRef idx="1">
-            <a:schemeClr val="accent1"/>
-          </a:fillRef>
-          <a:effectRef idx="0">
-            <a:schemeClr val="accent1"/>
-          </a:effectRef>
-          <a:fontRef idx="minor">
-            <a:schemeClr val="lt1"/>
-          </a:fontRef>
-        </p:style>
-        <p:txBody>
-          <a:bodyPr rtlCol="0" anchor="ctr"/>
-          <a:lstStyle/>
-          <a:p>
-            <a:pPr algn="ctr"/>
-            <a:endParaRPr lang="es-VE"/>
           </a:p>
         </p:txBody>
       </p:sp>
@@ -4333,9 +4262,9 @@
           <p:nvPr/>
         </p:nvCxnSpPr>
         <p:spPr>
-          <a:xfrm rot="16200000" flipH="1">
-            <a:off x="4680012" y="2456892"/>
-            <a:ext cx="504056" cy="432048"/>
+          <a:xfrm>
+            <a:off x="4211960" y="2780928"/>
+            <a:ext cx="936104" cy="156716"/>
           </a:xfrm>
           <a:prstGeom prst="bentConnector3">
             <a:avLst>
@@ -4372,8 +4301,8 @@
         </p:nvCxnSpPr>
         <p:spPr>
           <a:xfrm rot="16200000" flipV="1">
-            <a:off x="4932040" y="3068960"/>
-            <a:ext cx="648072" cy="216024"/>
+            <a:off x="4968044" y="3104964"/>
+            <a:ext cx="576064" cy="216024"/>
           </a:xfrm>
           <a:prstGeom prst="bentConnector3">
             <a:avLst>
@@ -5044,7 +4973,7 @@
         <p:spPr>
           <a:xfrm>
             <a:off x="2771800" y="4221088"/>
-            <a:ext cx="1440160" cy="576064"/>
+            <a:ext cx="1440160" cy="792088"/>
           </a:xfrm>
           <a:prstGeom prst="roundRect">
             <a:avLst>
@@ -5077,13 +5006,18 @@
           <a:p>
             <a:pPr algn="ctr"/>
             <a:r>
-              <a:rPr lang="en-US" sz="1000" b="1" dirty="0" smtClean="0">
-                <a:solidFill>
-                  <a:schemeClr val="tx1"/>
-                </a:solidFill>
-              </a:rPr>
-              <a:t>A_N</a:t>
-            </a:r>
+              <a:rPr lang="en-US" sz="1000" b="1" smtClean="0">
+                <a:solidFill>
+                  <a:schemeClr val="tx1"/>
+                </a:solidFill>
+              </a:rPr>
+              <a:t>E_N</a:t>
+            </a:r>
+            <a:endParaRPr lang="en-US" sz="1000" b="1" dirty="0" smtClean="0">
+              <a:solidFill>
+                <a:schemeClr val="tx1"/>
+              </a:solidFill>
+            </a:endParaRPr>
           </a:p>
           <a:p>
             <a:r>
@@ -5100,7 +5034,30 @@
                   <a:schemeClr val="tx1"/>
                 </a:solidFill>
               </a:rPr>
-              <a:t>fechaYhoraDeploy</a:t>
+              <a:t>fechaDeploy</a:t>
+            </a:r>
+            <a:endParaRPr lang="en-US" sz="1000" dirty="0" smtClean="0">
+              <a:solidFill>
+                <a:schemeClr val="tx1"/>
+              </a:solidFill>
+            </a:endParaRPr>
+          </a:p>
+          <a:p>
+            <a:r>
+              <a:rPr lang="en-US" sz="1000" dirty="0" smtClean="0">
+                <a:solidFill>
+                  <a:schemeClr val="tx1"/>
+                </a:solidFill>
+              </a:rPr>
+              <a:t>#</a:t>
+            </a:r>
+            <a:r>
+              <a:rPr lang="en-US" sz="1000" dirty="0" err="1" smtClean="0">
+                <a:solidFill>
+                  <a:schemeClr val="tx1"/>
+                </a:solidFill>
+              </a:rPr>
+              <a:t>horaDeploy</a:t>
             </a:r>
             <a:endParaRPr lang="en-US" sz="1000" dirty="0" smtClean="0">
               <a:solidFill>
@@ -5200,7 +5157,7 @@
           </a:p>
           <a:p>
             <a:r>
-              <a:rPr lang="en-US" sz="1000" dirty="0" smtClean="0">
+              <a:rPr lang="en-US" sz="1000" dirty="0">
                 <a:solidFill>
                   <a:schemeClr val="tx1"/>
                 </a:solidFill>
@@ -5213,7 +5170,7 @@
                   <a:schemeClr val="tx1"/>
                 </a:solidFill>
               </a:rPr>
-              <a:t>cantidadProcesos</a:t>
+              <a:t>idProceso</a:t>
             </a:r>
             <a:endParaRPr lang="en-US" sz="1000" dirty="0" smtClean="0">
               <a:solidFill>
@@ -5236,7 +5193,7 @@
                   <a:schemeClr val="tx1"/>
                 </a:solidFill>
               </a:rPr>
-              <a:t>memoriaDisponible</a:t>
+              <a:t>cantidadProcesos</a:t>
             </a:r>
             <a:endParaRPr lang="en-US" sz="1000" dirty="0" smtClean="0">
               <a:solidFill>
@@ -5259,7 +5216,7 @@
                   <a:schemeClr val="tx1"/>
                 </a:solidFill>
               </a:rPr>
-              <a:t>nombreAplicaciónActual</a:t>
+              <a:t>memoriaDisponible</a:t>
             </a:r>
             <a:endParaRPr lang="en-US" sz="1000" dirty="0" smtClean="0">
               <a:solidFill>
@@ -5282,7 +5239,7 @@
                   <a:schemeClr val="tx1"/>
                 </a:solidFill>
               </a:rPr>
-              <a:t>estadoAplicación</a:t>
+              <a:t>uso_cpu</a:t>
             </a:r>
             <a:endParaRPr lang="en-US" sz="1000" dirty="0" smtClean="0">
               <a:solidFill>
@@ -5305,7 +5262,7 @@
                   <a:schemeClr val="tx1"/>
                 </a:solidFill>
               </a:rPr>
-              <a:t>informaciónAplicación</a:t>
+              <a:t>puertos_disponibles</a:t>
             </a:r>
             <a:endParaRPr lang="en-US" sz="1000" dirty="0" smtClean="0">
               <a:solidFill>
@@ -5328,7 +5285,7 @@
                   <a:schemeClr val="tx1"/>
                 </a:solidFill>
               </a:rPr>
-              <a:t>idProceso</a:t>
+              <a:t>nombreAplicaciónActual</a:t>
             </a:r>
             <a:endParaRPr lang="en-US" sz="1000" dirty="0" smtClean="0">
               <a:solidFill>
@@ -5337,6 +5294,22 @@
             </a:endParaRPr>
           </a:p>
           <a:p>
+            <a:r>
+              <a:rPr lang="en-US" sz="1000" dirty="0" smtClean="0">
+                <a:solidFill>
+                  <a:schemeClr val="tx1"/>
+                </a:solidFill>
+              </a:rPr>
+              <a:t>*</a:t>
+            </a:r>
+            <a:r>
+              <a:rPr lang="en-US" sz="1000" dirty="0" err="1" smtClean="0">
+                <a:solidFill>
+                  <a:schemeClr val="tx1"/>
+                </a:solidFill>
+              </a:rPr>
+              <a:t>estadoAplicación</a:t>
+            </a:r>
             <a:endParaRPr lang="en-US" sz="1000" dirty="0" smtClean="0">
               <a:solidFill>
                 <a:schemeClr val="tx1"/>
@@ -5369,18 +5342,18 @@
       <p:cxnSp>
         <p:nvCxnSpPr>
           <p:cNvPr id="70" name="190 Conector angular"/>
-          <p:cNvCxnSpPr/>
+          <p:cNvCxnSpPr>
+            <a:stCxn id="71" idx="0"/>
+          </p:cNvCxnSpPr>
           <p:nvPr/>
         </p:nvCxnSpPr>
         <p:spPr>
           <a:xfrm rot="5400000">
-            <a:off x="2879812" y="4833158"/>
-            <a:ext cx="576065" cy="504055"/>
-          </a:xfrm>
-          <a:prstGeom prst="bentConnector3">
-            <a:avLst>
-              <a:gd name="adj1" fmla="val 50000"/>
-            </a:avLst>
+            <a:off x="3099347" y="4980876"/>
+            <a:ext cx="208814" cy="575871"/>
+          </a:xfrm>
+          <a:prstGeom prst="bentConnector2">
+            <a:avLst/>
           </a:prstGeom>
           <a:ln>
             <a:solidFill>
@@ -5411,7 +5384,7 @@
         </p:nvSpPr>
         <p:spPr>
           <a:xfrm rot="10976778">
-            <a:off x="3279366" y="4792203"/>
+            <a:off x="3351374" y="5020483"/>
             <a:ext cx="288032" cy="144016"/>
           </a:xfrm>
           <a:prstGeom prst="triangle">
@@ -5490,19 +5463,17 @@
       <p:cxnSp>
         <p:nvCxnSpPr>
           <p:cNvPr id="74" name="Elbow Connector 307"/>
-          <p:cNvCxnSpPr>
-            <a:endCxn id="76" idx="0"/>
-          </p:cNvCxnSpPr>
+          <p:cNvCxnSpPr/>
           <p:nvPr/>
         </p:nvCxnSpPr>
         <p:spPr>
           <a:xfrm rot="16200000" flipH="1">
-            <a:off x="3239852" y="3825044"/>
-            <a:ext cx="360040" cy="144016"/>
+            <a:off x="1187624" y="2348880"/>
+            <a:ext cx="1728192" cy="864096"/>
           </a:xfrm>
           <a:prstGeom prst="bentConnector3">
             <a:avLst>
-              <a:gd name="adj1" fmla="val 50000"/>
+              <a:gd name="adj1" fmla="val 25506"/>
             </a:avLst>
           </a:prstGeom>
           <a:ln>
@@ -5530,13 +5501,255 @@
       <p:cxnSp>
         <p:nvCxnSpPr>
           <p:cNvPr id="75" name="190 Conector angular"/>
+          <p:cNvCxnSpPr>
+            <a:stCxn id="49" idx="0"/>
+          </p:cNvCxnSpPr>
+          <p:nvPr/>
+        </p:nvCxnSpPr>
+        <p:spPr>
+          <a:xfrm rot="16200000" flipV="1">
+            <a:off x="2699792" y="3429000"/>
+            <a:ext cx="576064" cy="1008112"/>
+          </a:xfrm>
+          <a:prstGeom prst="bentConnector2">
+            <a:avLst/>
+          </a:prstGeom>
+          <a:ln>
+            <a:solidFill>
+              <a:schemeClr val="tx1"/>
+            </a:solidFill>
+          </a:ln>
+        </p:spPr>
+        <p:style>
+          <a:lnRef idx="1">
+            <a:schemeClr val="accent1"/>
+          </a:lnRef>
+          <a:fillRef idx="0">
+            <a:schemeClr val="accent1"/>
+          </a:fillRef>
+          <a:effectRef idx="0">
+            <a:schemeClr val="accent1"/>
+          </a:effectRef>
+          <a:fontRef idx="minor">
+            <a:schemeClr val="tx1"/>
+          </a:fontRef>
+        </p:style>
+      </p:cxnSp>
+      <p:sp>
+        <p:nvSpPr>
+          <p:cNvPr id="76" name="58 Triángulo isósceles"/>
+          <p:cNvSpPr/>
+          <p:nvPr/>
+        </p:nvSpPr>
+        <p:spPr>
+          <a:xfrm>
+            <a:off x="3347864" y="4077072"/>
+            <a:ext cx="288032" cy="144016"/>
+          </a:xfrm>
+          <a:prstGeom prst="triangle">
+            <a:avLst/>
+          </a:prstGeom>
+          <a:noFill/>
+          <a:ln w="9525" cmpd="sng">
+            <a:solidFill>
+              <a:schemeClr val="tx1"/>
+            </a:solidFill>
+          </a:ln>
+        </p:spPr>
+        <p:style>
+          <a:lnRef idx="2">
+            <a:schemeClr val="accent1">
+              <a:shade val="50000"/>
+            </a:schemeClr>
+          </a:lnRef>
+          <a:fillRef idx="1">
+            <a:schemeClr val="accent1"/>
+          </a:fillRef>
+          <a:effectRef idx="0">
+            <a:schemeClr val="accent1"/>
+          </a:effectRef>
+          <a:fontRef idx="minor">
+            <a:schemeClr val="lt1"/>
+          </a:fontRef>
+        </p:style>
+        <p:txBody>
+          <a:bodyPr rtlCol="0" anchor="ctr"/>
+          <a:lstStyle/>
+          <a:p>
+            <a:pPr algn="ctr"/>
+            <a:endParaRPr lang="es-VE"/>
+          </a:p>
+        </p:txBody>
+      </p:sp>
+      <p:sp>
+        <p:nvSpPr>
+          <p:cNvPr id="77" name="59 Rectángulo redondeado"/>
+          <p:cNvSpPr/>
+          <p:nvPr/>
+        </p:nvSpPr>
+        <p:spPr>
+          <a:xfrm>
+            <a:off x="4860032" y="5301208"/>
+            <a:ext cx="1944216" cy="1152128"/>
+          </a:xfrm>
+          <a:prstGeom prst="roundRect">
+            <a:avLst>
+              <a:gd name="adj" fmla="val 22949"/>
+            </a:avLst>
+          </a:prstGeom>
+          <a:solidFill>
+            <a:schemeClr val="bg1"/>
+          </a:solidFill>
+        </p:spPr>
+        <p:style>
+          <a:lnRef idx="2">
+            <a:schemeClr val="accent1">
+              <a:shade val="50000"/>
+            </a:schemeClr>
+          </a:lnRef>
+          <a:fillRef idx="1">
+            <a:schemeClr val="accent1"/>
+          </a:fillRef>
+          <a:effectRef idx="0">
+            <a:schemeClr val="accent1"/>
+          </a:effectRef>
+          <a:fontRef idx="minor">
+            <a:schemeClr val="lt1"/>
+          </a:fontRef>
+        </p:style>
+        <p:txBody>
+          <a:bodyPr rtlCol="0" anchor="t"/>
+          <a:lstStyle/>
+          <a:p>
+            <a:pPr algn="ctr"/>
+            <a:r>
+              <a:rPr lang="en-US" sz="1000" b="1" dirty="0" err="1" smtClean="0">
+                <a:solidFill>
+                  <a:schemeClr val="tx1"/>
+                </a:solidFill>
+              </a:rPr>
+              <a:t>MensajeEntreNodos</a:t>
+            </a:r>
+            <a:endParaRPr lang="en-US" sz="1000" b="1" dirty="0" smtClean="0">
+              <a:solidFill>
+                <a:schemeClr val="tx1"/>
+              </a:solidFill>
+            </a:endParaRPr>
+          </a:p>
+          <a:p>
+            <a:r>
+              <a:rPr lang="en-US" sz="1000" dirty="0" smtClean="0">
+                <a:solidFill>
+                  <a:schemeClr val="tx1"/>
+                </a:solidFill>
+              </a:rPr>
+              <a:t>*#id</a:t>
+            </a:r>
+          </a:p>
+          <a:p>
+            <a:r>
+              <a:rPr lang="en-US" sz="1000" dirty="0" smtClean="0">
+                <a:solidFill>
+                  <a:schemeClr val="tx1"/>
+                </a:solidFill>
+              </a:rPr>
+              <a:t>*</a:t>
+            </a:r>
+            <a:r>
+              <a:rPr lang="en-US" sz="1000" dirty="0" err="1" smtClean="0">
+                <a:solidFill>
+                  <a:schemeClr val="tx1"/>
+                </a:solidFill>
+              </a:rPr>
+              <a:t>fecha</a:t>
+            </a:r>
+            <a:endParaRPr lang="en-US" sz="1000" dirty="0" smtClean="0">
+              <a:solidFill>
+                <a:schemeClr val="tx1"/>
+              </a:solidFill>
+            </a:endParaRPr>
+          </a:p>
+          <a:p>
+            <a:r>
+              <a:rPr lang="en-US" sz="1000" dirty="0">
+                <a:solidFill>
+                  <a:schemeClr val="tx1"/>
+                </a:solidFill>
+              </a:rPr>
+              <a:t>*</a:t>
+            </a:r>
+            <a:r>
+              <a:rPr lang="en-US" sz="1000" dirty="0" err="1" smtClean="0">
+                <a:solidFill>
+                  <a:schemeClr val="tx1"/>
+                </a:solidFill>
+              </a:rPr>
+              <a:t>hora</a:t>
+            </a:r>
+            <a:endParaRPr lang="en-US" sz="1000" dirty="0" smtClean="0">
+              <a:solidFill>
+                <a:schemeClr val="tx1"/>
+              </a:solidFill>
+            </a:endParaRPr>
+          </a:p>
+          <a:p>
+            <a:r>
+              <a:rPr lang="en-US" sz="1000" dirty="0" smtClean="0">
+                <a:solidFill>
+                  <a:schemeClr val="tx1"/>
+                </a:solidFill>
+              </a:rPr>
+              <a:t>*</a:t>
+            </a:r>
+            <a:r>
+              <a:rPr lang="en-US" sz="1000" dirty="0" err="1" smtClean="0">
+                <a:solidFill>
+                  <a:schemeClr val="tx1"/>
+                </a:solidFill>
+              </a:rPr>
+              <a:t>mensaje</a:t>
+            </a:r>
+            <a:endParaRPr lang="en-US" sz="1000" dirty="0" smtClean="0">
+              <a:solidFill>
+                <a:schemeClr val="tx1"/>
+              </a:solidFill>
+            </a:endParaRPr>
+          </a:p>
+          <a:p>
+            <a:r>
+              <a:rPr lang="en-US" sz="1000" dirty="0" smtClean="0">
+                <a:solidFill>
+                  <a:schemeClr val="tx1"/>
+                </a:solidFill>
+              </a:rPr>
+              <a:t>*</a:t>
+            </a:r>
+            <a:r>
+              <a:rPr lang="en-US" sz="1000" dirty="0" err="1" smtClean="0">
+                <a:solidFill>
+                  <a:schemeClr val="tx1"/>
+                </a:solidFill>
+              </a:rPr>
+              <a:t>ipDestino</a:t>
+            </a:r>
+            <a:endParaRPr lang="en-US" sz="1000" dirty="0" smtClean="0">
+              <a:solidFill>
+                <a:schemeClr val="tx1"/>
+              </a:solidFill>
+            </a:endParaRPr>
+          </a:p>
+        </p:txBody>
+      </p:sp>
+      <p:cxnSp>
+        <p:nvCxnSpPr>
+          <p:cNvPr id="79" name="190 Conector angular"/>
           <p:cNvCxnSpPr/>
           <p:nvPr/>
         </p:nvCxnSpPr>
         <p:spPr>
-          <a:xfrm rot="16200000" flipV="1">
-            <a:off x="3365866" y="4059070"/>
-            <a:ext cx="288032" cy="36004"/>
+          <a:xfrm rot="5400000">
+            <a:off x="359532" y="4257092"/>
+            <a:ext cx="792088" cy="288032"/>
           </a:xfrm>
           <a:prstGeom prst="bentConnector3">
             <a:avLst>
@@ -5566,13 +5779,13 @@
       </p:cxnSp>
       <p:sp>
         <p:nvSpPr>
-          <p:cNvPr id="76" name="58 Triángulo isósceles"/>
+          <p:cNvPr id="80" name="64 Triángulo isósceles"/>
           <p:cNvSpPr/>
           <p:nvPr/>
         </p:nvSpPr>
         <p:spPr>
-          <a:xfrm>
-            <a:off x="3347864" y="4077072"/>
+          <a:xfrm rot="10976778">
+            <a:off x="759085" y="4000114"/>
             <a:ext cx="288032" cy="144016"/>
           </a:xfrm>
           <a:prstGeom prst="triangle">
@@ -5610,254 +5823,10 @@
           </a:p>
         </p:txBody>
       </p:sp>
-      <p:sp>
-        <p:nvSpPr>
-          <p:cNvPr id="77" name="59 Rectángulo redondeado"/>
-          <p:cNvSpPr/>
-          <p:nvPr/>
-        </p:nvSpPr>
-        <p:spPr>
-          <a:xfrm>
-            <a:off x="4860032" y="5301208"/>
-            <a:ext cx="1944216" cy="1152128"/>
-          </a:xfrm>
-          <a:prstGeom prst="roundRect">
-            <a:avLst>
-              <a:gd name="adj" fmla="val 22949"/>
-            </a:avLst>
-          </a:prstGeom>
-          <a:solidFill>
-            <a:schemeClr val="bg1"/>
-          </a:solidFill>
-        </p:spPr>
-        <p:style>
-          <a:lnRef idx="2">
-            <a:schemeClr val="accent1">
-              <a:shade val="50000"/>
-            </a:schemeClr>
-          </a:lnRef>
-          <a:fillRef idx="1">
-            <a:schemeClr val="accent1"/>
-          </a:fillRef>
-          <a:effectRef idx="0">
-            <a:schemeClr val="accent1"/>
-          </a:effectRef>
-          <a:fontRef idx="minor">
-            <a:schemeClr val="lt1"/>
-          </a:fontRef>
-        </p:style>
-        <p:txBody>
-          <a:bodyPr rtlCol="0" anchor="t"/>
-          <a:lstStyle/>
-          <a:p>
-            <a:pPr algn="ctr"/>
-            <a:r>
-              <a:rPr lang="en-US" sz="1000" b="1" dirty="0" err="1" smtClean="0">
-                <a:solidFill>
-                  <a:schemeClr val="tx1"/>
-                </a:solidFill>
-              </a:rPr>
-              <a:t>MensajeEntreNodos</a:t>
-            </a:r>
-            <a:endParaRPr lang="en-US" sz="1000" b="1" dirty="0" smtClean="0">
-              <a:solidFill>
-                <a:schemeClr val="tx1"/>
-              </a:solidFill>
-            </a:endParaRPr>
-          </a:p>
-          <a:p>
-            <a:r>
-              <a:rPr lang="en-US" sz="1000" dirty="0" smtClean="0">
-                <a:solidFill>
-                  <a:schemeClr val="tx1"/>
-                </a:solidFill>
-              </a:rPr>
-              <a:t>*#id</a:t>
-            </a:r>
-          </a:p>
-          <a:p>
-            <a:r>
-              <a:rPr lang="en-US" sz="1000" dirty="0" smtClean="0">
-                <a:solidFill>
-                  <a:schemeClr val="tx1"/>
-                </a:solidFill>
-              </a:rPr>
-              <a:t>*</a:t>
-            </a:r>
-            <a:r>
-              <a:rPr lang="en-US" sz="1000" dirty="0" err="1" smtClean="0">
-                <a:solidFill>
-                  <a:schemeClr val="tx1"/>
-                </a:solidFill>
-              </a:rPr>
-              <a:t>fecha</a:t>
-            </a:r>
-            <a:endParaRPr lang="en-US" sz="1000" dirty="0" smtClean="0">
-              <a:solidFill>
-                <a:schemeClr val="tx1"/>
-              </a:solidFill>
-            </a:endParaRPr>
-          </a:p>
-          <a:p>
-            <a:r>
-              <a:rPr lang="en-US" sz="1000" dirty="0">
-                <a:solidFill>
-                  <a:schemeClr val="tx1"/>
-                </a:solidFill>
-              </a:rPr>
-              <a:t>*</a:t>
-            </a:r>
-            <a:r>
-              <a:rPr lang="en-US" sz="1000" dirty="0" err="1" smtClean="0">
-                <a:solidFill>
-                  <a:schemeClr val="tx1"/>
-                </a:solidFill>
-              </a:rPr>
-              <a:t>hora</a:t>
-            </a:r>
-            <a:endParaRPr lang="en-US" sz="1000" dirty="0" smtClean="0">
-              <a:solidFill>
-                <a:schemeClr val="tx1"/>
-              </a:solidFill>
-            </a:endParaRPr>
-          </a:p>
-          <a:p>
-            <a:r>
-              <a:rPr lang="en-US" sz="1000" dirty="0" smtClean="0">
-                <a:solidFill>
-                  <a:schemeClr val="tx1"/>
-                </a:solidFill>
-              </a:rPr>
-              <a:t>*</a:t>
-            </a:r>
-            <a:r>
-              <a:rPr lang="en-US" sz="1000" dirty="0" err="1" smtClean="0">
-                <a:solidFill>
-                  <a:schemeClr val="tx1"/>
-                </a:solidFill>
-              </a:rPr>
-              <a:t>mensaje</a:t>
-            </a:r>
-            <a:endParaRPr lang="en-US" sz="1000" dirty="0" smtClean="0">
-              <a:solidFill>
-                <a:schemeClr val="tx1"/>
-              </a:solidFill>
-            </a:endParaRPr>
-          </a:p>
-          <a:p>
-            <a:r>
-              <a:rPr lang="en-US" sz="1000" dirty="0" smtClean="0">
-                <a:solidFill>
-                  <a:schemeClr val="tx1"/>
-                </a:solidFill>
-              </a:rPr>
-              <a:t>*</a:t>
-            </a:r>
-            <a:r>
-              <a:rPr lang="en-US" sz="1000" dirty="0" err="1" smtClean="0">
-                <a:solidFill>
-                  <a:schemeClr val="tx1"/>
-                </a:solidFill>
-              </a:rPr>
-              <a:t>ipDestino</a:t>
-            </a:r>
-            <a:endParaRPr lang="en-US" sz="1000" dirty="0" smtClean="0">
-              <a:solidFill>
-                <a:schemeClr val="tx1"/>
-              </a:solidFill>
-            </a:endParaRPr>
-          </a:p>
-        </p:txBody>
-      </p:sp>
-      <p:cxnSp>
-        <p:nvCxnSpPr>
-          <p:cNvPr id="79" name="190 Conector angular"/>
-          <p:cNvCxnSpPr/>
-          <p:nvPr/>
-        </p:nvCxnSpPr>
-        <p:spPr>
-          <a:xfrm rot="5400000">
-            <a:off x="359532" y="4257092"/>
-            <a:ext cx="792088" cy="288032"/>
-          </a:xfrm>
-          <a:prstGeom prst="bentConnector3">
-            <a:avLst>
-              <a:gd name="adj1" fmla="val 50000"/>
-            </a:avLst>
-          </a:prstGeom>
-          <a:ln>
-            <a:solidFill>
-              <a:schemeClr val="tx1"/>
-            </a:solidFill>
-          </a:ln>
-        </p:spPr>
-        <p:style>
-          <a:lnRef idx="1">
-            <a:schemeClr val="accent1"/>
-          </a:lnRef>
-          <a:fillRef idx="0">
-            <a:schemeClr val="accent1"/>
-          </a:fillRef>
-          <a:effectRef idx="0">
-            <a:schemeClr val="accent1"/>
-          </a:effectRef>
-          <a:fontRef idx="minor">
-            <a:schemeClr val="tx1"/>
-          </a:fontRef>
-        </p:style>
-      </p:cxnSp>
-      <p:sp>
-        <p:nvSpPr>
-          <p:cNvPr id="80" name="64 Triángulo isósceles"/>
-          <p:cNvSpPr/>
-          <p:nvPr/>
-        </p:nvSpPr>
-        <p:spPr>
-          <a:xfrm rot="10976778">
-            <a:off x="759085" y="4000114"/>
-            <a:ext cx="288032" cy="144016"/>
-          </a:xfrm>
-          <a:prstGeom prst="triangle">
-            <a:avLst/>
-          </a:prstGeom>
-          <a:noFill/>
-          <a:ln w="9525" cmpd="sng">
-            <a:solidFill>
-              <a:schemeClr val="tx1"/>
-            </a:solidFill>
-          </a:ln>
-        </p:spPr>
-        <p:style>
-          <a:lnRef idx="2">
-            <a:schemeClr val="accent1">
-              <a:shade val="50000"/>
-            </a:schemeClr>
-          </a:lnRef>
-          <a:fillRef idx="1">
-            <a:schemeClr val="accent1"/>
-          </a:fillRef>
-          <a:effectRef idx="0">
-            <a:schemeClr val="accent1"/>
-          </a:effectRef>
-          <a:fontRef idx="minor">
-            <a:schemeClr val="lt1"/>
-          </a:fontRef>
-        </p:style>
-        <p:txBody>
-          <a:bodyPr rtlCol="0" anchor="ctr"/>
-          <a:lstStyle/>
-          <a:p>
-            <a:pPr algn="ctr"/>
-            <a:endParaRPr lang="es-VE"/>
-          </a:p>
-        </p:txBody>
-      </p:sp>
       <p:cxnSp>
         <p:nvCxnSpPr>
           <p:cNvPr id="81" name="Elbow Connector 307"/>
-          <p:cNvCxnSpPr>
-            <a:endCxn id="57" idx="1"/>
-          </p:cNvCxnSpPr>
+          <p:cNvCxnSpPr/>
           <p:nvPr/>
         </p:nvCxnSpPr>
         <p:spPr>
@@ -5899,9 +5868,9 @@
           <p:nvPr/>
         </p:nvCxnSpPr>
         <p:spPr>
-          <a:xfrm rot="16200000" flipH="1">
-            <a:off x="3887924" y="4833156"/>
-            <a:ext cx="504056" cy="432048"/>
+          <a:xfrm>
+            <a:off x="3851920" y="5013176"/>
+            <a:ext cx="504056" cy="288032"/>
           </a:xfrm>
           <a:prstGeom prst="bentConnector3">
             <a:avLst>
@@ -5938,8 +5907,8 @@
         </p:nvCxnSpPr>
         <p:spPr>
           <a:xfrm rot="16200000" flipV="1">
-            <a:off x="4175956" y="5409220"/>
-            <a:ext cx="576064" cy="216024"/>
+            <a:off x="4211960" y="5445224"/>
+            <a:ext cx="504056" cy="216024"/>
           </a:xfrm>
           <a:prstGeom prst="bentConnector3">
             <a:avLst>
@@ -6033,6 +6002,335 @@
             <a:solidFill>
               <a:schemeClr val="tx1"/>
             </a:solidFill>
+          </a:ln>
+        </p:spPr>
+        <p:style>
+          <a:lnRef idx="1">
+            <a:schemeClr val="accent1"/>
+          </a:lnRef>
+          <a:fillRef idx="0">
+            <a:schemeClr val="accent1"/>
+          </a:fillRef>
+          <a:effectRef idx="0">
+            <a:schemeClr val="accent1"/>
+          </a:effectRef>
+          <a:fontRef idx="minor">
+            <a:schemeClr val="tx1"/>
+          </a:fontRef>
+        </p:style>
+      </p:cxnSp>
+      <p:sp>
+        <p:nvSpPr>
+          <p:cNvPr id="46" name="59 Rectángulo redondeado"/>
+          <p:cNvSpPr/>
+          <p:nvPr/>
+        </p:nvSpPr>
+        <p:spPr>
+          <a:xfrm>
+            <a:off x="24949" y="1124744"/>
+            <a:ext cx="1619672" cy="1008112"/>
+          </a:xfrm>
+          <a:prstGeom prst="roundRect">
+            <a:avLst>
+              <a:gd name="adj" fmla="val 22949"/>
+            </a:avLst>
+          </a:prstGeom>
+          <a:solidFill>
+            <a:schemeClr val="bg1"/>
+          </a:solidFill>
+        </p:spPr>
+        <p:style>
+          <a:lnRef idx="2">
+            <a:schemeClr val="accent1">
+              <a:shade val="50000"/>
+            </a:schemeClr>
+          </a:lnRef>
+          <a:fillRef idx="1">
+            <a:schemeClr val="accent1"/>
+          </a:fillRef>
+          <a:effectRef idx="0">
+            <a:schemeClr val="accent1"/>
+          </a:effectRef>
+          <a:fontRef idx="minor">
+            <a:schemeClr val="lt1"/>
+          </a:fontRef>
+        </p:style>
+        <p:txBody>
+          <a:bodyPr rtlCol="0" anchor="t"/>
+          <a:lstStyle/>
+          <a:p>
+            <a:pPr algn="ctr"/>
+            <a:r>
+              <a:rPr lang="en-US" sz="1000" b="1" dirty="0" err="1" smtClean="0">
+                <a:solidFill>
+                  <a:schemeClr val="tx1"/>
+                </a:solidFill>
+              </a:rPr>
+              <a:t>Ejecutable</a:t>
+            </a:r>
+            <a:endParaRPr lang="en-US" sz="1000" b="1" dirty="0" smtClean="0">
+              <a:solidFill>
+                <a:schemeClr val="tx1"/>
+              </a:solidFill>
+            </a:endParaRPr>
+          </a:p>
+          <a:p>
+            <a:r>
+              <a:rPr lang="en-US" sz="1000" dirty="0" smtClean="0">
+                <a:solidFill>
+                  <a:schemeClr val="tx1"/>
+                </a:solidFill>
+              </a:rPr>
+              <a:t>*#id</a:t>
+            </a:r>
+          </a:p>
+          <a:p>
+            <a:r>
+              <a:rPr lang="en-US" sz="1000" dirty="0" smtClean="0">
+                <a:solidFill>
+                  <a:schemeClr val="tx1"/>
+                </a:solidFill>
+              </a:rPr>
+              <a:t>*</a:t>
+            </a:r>
+            <a:r>
+              <a:rPr lang="en-US" sz="1000" dirty="0" err="1" smtClean="0">
+                <a:solidFill>
+                  <a:schemeClr val="tx1"/>
+                </a:solidFill>
+              </a:rPr>
+              <a:t>nombre</a:t>
+            </a:r>
+            <a:endParaRPr lang="en-US" sz="1000" dirty="0" smtClean="0">
+              <a:solidFill>
+                <a:schemeClr val="tx1"/>
+              </a:solidFill>
+            </a:endParaRPr>
+          </a:p>
+          <a:p>
+            <a:r>
+              <a:rPr lang="en-US" sz="1000" dirty="0" smtClean="0">
+                <a:solidFill>
+                  <a:schemeClr val="tx1"/>
+                </a:solidFill>
+              </a:rPr>
+              <a:t>*</a:t>
+            </a:r>
+            <a:r>
+              <a:rPr lang="en-US" sz="1000" dirty="0" err="1" smtClean="0">
+                <a:solidFill>
+                  <a:schemeClr val="tx1"/>
+                </a:solidFill>
+              </a:rPr>
+              <a:t>tipo</a:t>
+            </a:r>
+            <a:r>
+              <a:rPr lang="en-US" sz="1000" dirty="0" smtClean="0">
+                <a:solidFill>
+                  <a:schemeClr val="tx1"/>
+                </a:solidFill>
+              </a:rPr>
+              <a:t> (</a:t>
+            </a:r>
+            <a:r>
+              <a:rPr lang="en-US" sz="1000" dirty="0" err="1" smtClean="0">
+                <a:solidFill>
+                  <a:schemeClr val="tx1"/>
+                </a:solidFill>
+              </a:rPr>
+              <a:t>cliente</a:t>
+            </a:r>
+            <a:r>
+              <a:rPr lang="en-US" sz="1000" dirty="0" smtClean="0">
+                <a:solidFill>
+                  <a:schemeClr val="tx1"/>
+                </a:solidFill>
+              </a:rPr>
+              <a:t> / </a:t>
+            </a:r>
+            <a:r>
+              <a:rPr lang="en-US" sz="1000" dirty="0" err="1" smtClean="0">
+                <a:solidFill>
+                  <a:schemeClr val="tx1"/>
+                </a:solidFill>
+              </a:rPr>
+              <a:t>servidor</a:t>
+            </a:r>
+            <a:r>
+              <a:rPr lang="en-US" sz="1000" dirty="0" smtClean="0">
+                <a:solidFill>
+                  <a:schemeClr val="tx1"/>
+                </a:solidFill>
+              </a:rPr>
+              <a:t>)</a:t>
+            </a:r>
+          </a:p>
+          <a:p>
+            <a:r>
+              <a:rPr lang="en-US" sz="1000" dirty="0" smtClean="0">
+                <a:solidFill>
+                  <a:schemeClr val="tx1"/>
+                </a:solidFill>
+              </a:rPr>
+              <a:t>*path</a:t>
+            </a:r>
+          </a:p>
+        </p:txBody>
+      </p:sp>
+      <p:sp>
+        <p:nvSpPr>
+          <p:cNvPr id="51" name="35 Triángulo isósceles"/>
+          <p:cNvSpPr/>
+          <p:nvPr/>
+        </p:nvSpPr>
+        <p:spPr>
+          <a:xfrm rot="5400000">
+            <a:off x="1511660" y="1520788"/>
+            <a:ext cx="360039" cy="144016"/>
+          </a:xfrm>
+          <a:prstGeom prst="triangle">
+            <a:avLst>
+              <a:gd name="adj" fmla="val 57586"/>
+            </a:avLst>
+          </a:prstGeom>
+          <a:noFill/>
+          <a:ln w="9525" cmpd="sng">
+            <a:solidFill>
+              <a:schemeClr val="tx1"/>
+            </a:solidFill>
+          </a:ln>
+        </p:spPr>
+        <p:style>
+          <a:lnRef idx="2">
+            <a:schemeClr val="accent1">
+              <a:shade val="50000"/>
+            </a:schemeClr>
+          </a:lnRef>
+          <a:fillRef idx="1">
+            <a:schemeClr val="accent1"/>
+          </a:fillRef>
+          <a:effectRef idx="0">
+            <a:schemeClr val="accent1"/>
+          </a:effectRef>
+          <a:fontRef idx="minor">
+            <a:schemeClr val="lt1"/>
+          </a:fontRef>
+        </p:style>
+        <p:txBody>
+          <a:bodyPr rtlCol="0" anchor="ctr"/>
+          <a:lstStyle/>
+          <a:p>
+            <a:pPr algn="ctr"/>
+            <a:endParaRPr lang="es-VE"/>
+          </a:p>
+        </p:txBody>
+      </p:sp>
+      <p:cxnSp>
+        <p:nvCxnSpPr>
+          <p:cNvPr id="62" name="190 Conector angular"/>
+          <p:cNvCxnSpPr>
+            <a:stCxn id="4" idx="1"/>
+          </p:cNvCxnSpPr>
+          <p:nvPr/>
+        </p:nvCxnSpPr>
+        <p:spPr>
+          <a:xfrm rot="10800000" flipV="1">
+            <a:off x="539552" y="432048"/>
+            <a:ext cx="360040" cy="404664"/>
+          </a:xfrm>
+          <a:prstGeom prst="bentConnector2">
+            <a:avLst/>
+          </a:prstGeom>
+          <a:ln>
+            <a:solidFill>
+              <a:schemeClr val="tx1"/>
+            </a:solidFill>
+          </a:ln>
+        </p:spPr>
+        <p:style>
+          <a:lnRef idx="1">
+            <a:schemeClr val="accent1"/>
+          </a:lnRef>
+          <a:fillRef idx="0">
+            <a:schemeClr val="accent1"/>
+          </a:fillRef>
+          <a:effectRef idx="0">
+            <a:schemeClr val="accent1"/>
+          </a:effectRef>
+          <a:fontRef idx="minor">
+            <a:schemeClr val="tx1"/>
+          </a:fontRef>
+        </p:style>
+      </p:cxnSp>
+      <p:sp>
+        <p:nvSpPr>
+          <p:cNvPr id="63" name="64 Triángulo isósceles"/>
+          <p:cNvSpPr/>
+          <p:nvPr/>
+        </p:nvSpPr>
+        <p:spPr>
+          <a:xfrm rot="16027436">
+            <a:off x="674800" y="345582"/>
+            <a:ext cx="305221" cy="128519"/>
+          </a:xfrm>
+          <a:prstGeom prst="triangle">
+            <a:avLst/>
+          </a:prstGeom>
+          <a:noFill/>
+          <a:ln w="9525" cmpd="sng">
+            <a:solidFill>
+              <a:schemeClr val="tx1"/>
+            </a:solidFill>
+          </a:ln>
+        </p:spPr>
+        <p:style>
+          <a:lnRef idx="2">
+            <a:schemeClr val="accent1">
+              <a:shade val="50000"/>
+            </a:schemeClr>
+          </a:lnRef>
+          <a:fillRef idx="1">
+            <a:schemeClr val="accent1"/>
+          </a:fillRef>
+          <a:effectRef idx="0">
+            <a:schemeClr val="accent1"/>
+          </a:effectRef>
+          <a:fontRef idx="minor">
+            <a:schemeClr val="lt1"/>
+          </a:fontRef>
+        </p:style>
+        <p:txBody>
+          <a:bodyPr rtlCol="0" anchor="ctr"/>
+          <a:lstStyle/>
+          <a:p>
+            <a:pPr algn="ctr"/>
+            <a:endParaRPr lang="es-VE"/>
+          </a:p>
+        </p:txBody>
+      </p:sp>
+      <p:cxnSp>
+        <p:nvCxnSpPr>
+          <p:cNvPr id="66" name="Elbow Connector 307"/>
+          <p:cNvCxnSpPr>
+            <a:endCxn id="46" idx="0"/>
+          </p:cNvCxnSpPr>
+          <p:nvPr/>
+        </p:nvCxnSpPr>
+        <p:spPr>
+          <a:xfrm rot="16200000" flipH="1">
+            <a:off x="507148" y="797107"/>
+            <a:ext cx="360040" cy="295233"/>
+          </a:xfrm>
+          <a:prstGeom prst="bentConnector3">
+            <a:avLst>
+              <a:gd name="adj1" fmla="val 50000"/>
+            </a:avLst>
+          </a:prstGeom>
+          <a:ln>
+            <a:solidFill>
+              <a:schemeClr val="tx1"/>
+            </a:solidFill>
+            <a:prstDash val="dash"/>
           </a:ln>
         </p:spPr>
         <p:style>

--- a/Documentos/er.pptx
+++ b/Documentos/er.pptx
@@ -5006,18 +5006,13 @@
           <a:p>
             <a:pPr algn="ctr"/>
             <a:r>
-              <a:rPr lang="en-US" sz="1000" b="1" smtClean="0">
+              <a:rPr lang="en-US" sz="1000" b="1" dirty="0" smtClean="0">
                 <a:solidFill>
                   <a:schemeClr val="tx1"/>
                 </a:solidFill>
               </a:rPr>
               <a:t>E_N</a:t>
             </a:r>
-            <a:endParaRPr lang="en-US" sz="1000" b="1" dirty="0" smtClean="0">
-              <a:solidFill>
-                <a:schemeClr val="tx1"/>
-              </a:solidFill>
-            </a:endParaRPr>
           </a:p>
           <a:p>
             <a:r>
@@ -5034,7 +5029,7 @@
                   <a:schemeClr val="tx1"/>
                 </a:solidFill>
               </a:rPr>
-              <a:t>fechaDeploy</a:t>
+              <a:t>fecha_Deploy</a:t>
             </a:r>
             <a:endParaRPr lang="en-US" sz="1000" dirty="0" smtClean="0">
               <a:solidFill>
@@ -5057,7 +5052,7 @@
                   <a:schemeClr val="tx1"/>
                 </a:solidFill>
               </a:rPr>
-              <a:t>horaDeploy</a:t>
+              <a:t>hora_Deploy</a:t>
             </a:r>
             <a:endParaRPr lang="en-US" sz="1000" dirty="0" smtClean="0">
               <a:solidFill>
@@ -5080,7 +5075,7 @@
                   <a:schemeClr val="tx1"/>
                 </a:solidFill>
               </a:rPr>
-              <a:t>idProceso</a:t>
+              <a:t>id_Proceso</a:t>
             </a:r>
             <a:endParaRPr lang="en-US" sz="1000" dirty="0" smtClean="0">
               <a:solidFill>

--- a/Documentos/er.pptx
+++ b/Documentos/er.pptx
@@ -289,7 +289,7 @@
             <a:fld id="{21B9F558-6522-4C10-99CA-66D81924EF51}" type="datetimeFigureOut">
               <a:rPr lang="es-VE" smtClean="0"/>
               <a:pPr/>
-              <a:t>7/12/13</a:t>
+              <a:t>7/16/13</a:t>
             </a:fld>
             <a:endParaRPr lang="es-VE"/>
           </a:p>
@@ -456,7 +456,7 @@
             <a:fld id="{21B9F558-6522-4C10-99CA-66D81924EF51}" type="datetimeFigureOut">
               <a:rPr lang="es-VE" smtClean="0"/>
               <a:pPr/>
-              <a:t>7/12/13</a:t>
+              <a:t>7/16/13</a:t>
             </a:fld>
             <a:endParaRPr lang="es-VE"/>
           </a:p>
@@ -633,7 +633,7 @@
             <a:fld id="{21B9F558-6522-4C10-99CA-66D81924EF51}" type="datetimeFigureOut">
               <a:rPr lang="es-VE" smtClean="0"/>
               <a:pPr/>
-              <a:t>7/12/13</a:t>
+              <a:t>7/16/13</a:t>
             </a:fld>
             <a:endParaRPr lang="es-VE"/>
           </a:p>
@@ -800,7 +800,7 @@
             <a:fld id="{21B9F558-6522-4C10-99CA-66D81924EF51}" type="datetimeFigureOut">
               <a:rPr lang="es-VE" smtClean="0"/>
               <a:pPr/>
-              <a:t>7/12/13</a:t>
+              <a:t>7/16/13</a:t>
             </a:fld>
             <a:endParaRPr lang="es-VE"/>
           </a:p>
@@ -1043,7 +1043,7 @@
             <a:fld id="{21B9F558-6522-4C10-99CA-66D81924EF51}" type="datetimeFigureOut">
               <a:rPr lang="es-VE" smtClean="0"/>
               <a:pPr/>
-              <a:t>7/12/13</a:t>
+              <a:t>7/16/13</a:t>
             </a:fld>
             <a:endParaRPr lang="es-VE"/>
           </a:p>
@@ -1328,7 +1328,7 @@
             <a:fld id="{21B9F558-6522-4C10-99CA-66D81924EF51}" type="datetimeFigureOut">
               <a:rPr lang="es-VE" smtClean="0"/>
               <a:pPr/>
-              <a:t>7/12/13</a:t>
+              <a:t>7/16/13</a:t>
             </a:fld>
             <a:endParaRPr lang="es-VE"/>
           </a:p>
@@ -1747,7 +1747,7 @@
             <a:fld id="{21B9F558-6522-4C10-99CA-66D81924EF51}" type="datetimeFigureOut">
               <a:rPr lang="es-VE" smtClean="0"/>
               <a:pPr/>
-              <a:t>7/12/13</a:t>
+              <a:t>7/16/13</a:t>
             </a:fld>
             <a:endParaRPr lang="es-VE"/>
           </a:p>
@@ -1862,7 +1862,7 @@
             <a:fld id="{21B9F558-6522-4C10-99CA-66D81924EF51}" type="datetimeFigureOut">
               <a:rPr lang="es-VE" smtClean="0"/>
               <a:pPr/>
-              <a:t>7/12/13</a:t>
+              <a:t>7/16/13</a:t>
             </a:fld>
             <a:endParaRPr lang="es-VE"/>
           </a:p>
@@ -1954,7 +1954,7 @@
             <a:fld id="{21B9F558-6522-4C10-99CA-66D81924EF51}" type="datetimeFigureOut">
               <a:rPr lang="es-VE" smtClean="0"/>
               <a:pPr/>
-              <a:t>7/12/13</a:t>
+              <a:t>7/16/13</a:t>
             </a:fld>
             <a:endParaRPr lang="es-VE"/>
           </a:p>
@@ -2228,7 +2228,7 @@
             <a:fld id="{21B9F558-6522-4C10-99CA-66D81924EF51}" type="datetimeFigureOut">
               <a:rPr lang="es-VE" smtClean="0"/>
               <a:pPr/>
-              <a:t>7/12/13</a:t>
+              <a:t>7/16/13</a:t>
             </a:fld>
             <a:endParaRPr lang="es-VE"/>
           </a:p>
@@ -2478,7 +2478,7 @@
             <a:fld id="{21B9F558-6522-4C10-99CA-66D81924EF51}" type="datetimeFigureOut">
               <a:rPr lang="es-VE" smtClean="0"/>
               <a:pPr/>
-              <a:t>7/12/13</a:t>
+              <a:t>7/16/13</a:t>
             </a:fld>
             <a:endParaRPr lang="es-VE"/>
           </a:p>
@@ -2688,7 +2688,7 @@
             <a:fld id="{21B9F558-6522-4C10-99CA-66D81924EF51}" type="datetimeFigureOut">
               <a:rPr lang="es-VE" smtClean="0"/>
               <a:pPr/>
-              <a:t>7/12/13</a:t>
+              <a:t>7/16/13</a:t>
             </a:fld>
             <a:endParaRPr lang="es-VE"/>
           </a:p>
@@ -3180,7 +3180,7 @@
         <p:spPr>
           <a:xfrm>
             <a:off x="2699792" y="2492896"/>
-            <a:ext cx="1512168" cy="864096"/>
+            <a:ext cx="1656184" cy="1008112"/>
           </a:xfrm>
           <a:prstGeom prst="roundRect">
             <a:avLst>
@@ -3275,6 +3275,29 @@
                 </a:solidFill>
               </a:rPr>
               <a:t>fechaActualización</a:t>
+            </a:r>
+            <a:endParaRPr lang="en-US" sz="1000" dirty="0" smtClean="0">
+              <a:solidFill>
+                <a:schemeClr val="tx1"/>
+              </a:solidFill>
+            </a:endParaRPr>
+          </a:p>
+          <a:p>
+            <a:r>
+              <a:rPr lang="en-US" sz="1000" dirty="0" smtClean="0">
+                <a:solidFill>
+                  <a:schemeClr val="tx1"/>
+                </a:solidFill>
+              </a:rPr>
+              <a:t>*</a:t>
+            </a:r>
+            <a:r>
+              <a:rPr lang="en-US" sz="1000" dirty="0" err="1" smtClean="0">
+                <a:solidFill>
+                  <a:schemeClr val="tx1"/>
+                </a:solidFill>
+              </a:rPr>
+              <a:t>instrucciones</a:t>
             </a:r>
             <a:endParaRPr lang="en-US" sz="1000" dirty="0" smtClean="0">
               <a:solidFill>
@@ -3325,13 +3348,15 @@
       <p:cxnSp>
         <p:nvCxnSpPr>
           <p:cNvPr id="15" name="14 Conector recto"/>
-          <p:cNvCxnSpPr/>
+          <p:cNvCxnSpPr>
+            <a:stCxn id="46" idx="3"/>
+          </p:cNvCxnSpPr>
           <p:nvPr/>
         </p:nvCxnSpPr>
         <p:spPr>
           <a:xfrm>
-            <a:off x="1619672" y="1628800"/>
-            <a:ext cx="648072" cy="0"/>
+            <a:off x="1644621" y="1628800"/>
+            <a:ext cx="623123" cy="0"/>
           </a:xfrm>
           <a:prstGeom prst="line">
             <a:avLst/>
@@ -3997,8 +4022,8 @@
         </p:nvCxnSpPr>
         <p:spPr>
           <a:xfrm>
-            <a:off x="3347864" y="1628800"/>
-            <a:ext cx="864096" cy="105732"/>
+            <a:off x="3419872" y="1628800"/>
+            <a:ext cx="792088" cy="105732"/>
           </a:xfrm>
           <a:prstGeom prst="bentConnector3">
             <a:avLst>
@@ -4031,14 +4056,14 @@
         <p:nvCxnSpPr>
           <p:cNvPr id="56" name="190 Conector angular"/>
           <p:cNvCxnSpPr>
-            <a:stCxn id="8" idx="0"/>
+            <a:stCxn id="59" idx="0"/>
           </p:cNvCxnSpPr>
           <p:nvPr/>
         </p:nvCxnSpPr>
         <p:spPr>
           <a:xfrm rot="16200000" flipV="1">
-            <a:off x="2969822" y="2006842"/>
-            <a:ext cx="864096" cy="108012"/>
+            <a:off x="3131840" y="1916832"/>
+            <a:ext cx="720080" cy="144016"/>
           </a:xfrm>
           <a:prstGeom prst="bentConnector3">
             <a:avLst>
@@ -4074,7 +4099,7 @@
         </p:nvSpPr>
         <p:spPr>
           <a:xfrm>
-            <a:off x="3275856" y="2348880"/>
+            <a:off x="3419872" y="2348880"/>
             <a:ext cx="288032" cy="144016"/>
           </a:xfrm>
           <a:prstGeom prst="triangle">
@@ -4263,8 +4288,8 @@
         </p:nvCxnSpPr>
         <p:spPr>
           <a:xfrm>
-            <a:off x="4211960" y="2780928"/>
-            <a:ext cx="936104" cy="156716"/>
+            <a:off x="4355976" y="2708920"/>
+            <a:ext cx="792088" cy="228724"/>
           </a:xfrm>
           <a:prstGeom prst="bentConnector3">
             <a:avLst>
@@ -6180,7 +6205,7 @@
         </p:nvSpPr>
         <p:spPr>
           <a:xfrm rot="5400000">
-            <a:off x="1511660" y="1520788"/>
+            <a:off x="1511660" y="1520791"/>
             <a:ext cx="360039" cy="144016"/>
           </a:xfrm>
           <a:prstGeom prst="triangle">

--- a/Documentos/er.pptx
+++ b/Documentos/er.pptx
@@ -289,7 +289,7 @@
             <a:fld id="{21B9F558-6522-4C10-99CA-66D81924EF51}" type="datetimeFigureOut">
               <a:rPr lang="es-VE" smtClean="0"/>
               <a:pPr/>
-              <a:t>7/16/13</a:t>
+              <a:t>7/17/13</a:t>
             </a:fld>
             <a:endParaRPr lang="es-VE"/>
           </a:p>
@@ -456,7 +456,7 @@
             <a:fld id="{21B9F558-6522-4C10-99CA-66D81924EF51}" type="datetimeFigureOut">
               <a:rPr lang="es-VE" smtClean="0"/>
               <a:pPr/>
-              <a:t>7/16/13</a:t>
+              <a:t>7/17/13</a:t>
             </a:fld>
             <a:endParaRPr lang="es-VE"/>
           </a:p>
@@ -633,7 +633,7 @@
             <a:fld id="{21B9F558-6522-4C10-99CA-66D81924EF51}" type="datetimeFigureOut">
               <a:rPr lang="es-VE" smtClean="0"/>
               <a:pPr/>
-              <a:t>7/16/13</a:t>
+              <a:t>7/17/13</a:t>
             </a:fld>
             <a:endParaRPr lang="es-VE"/>
           </a:p>
@@ -800,7 +800,7 @@
             <a:fld id="{21B9F558-6522-4C10-99CA-66D81924EF51}" type="datetimeFigureOut">
               <a:rPr lang="es-VE" smtClean="0"/>
               <a:pPr/>
-              <a:t>7/16/13</a:t>
+              <a:t>7/17/13</a:t>
             </a:fld>
             <a:endParaRPr lang="es-VE"/>
           </a:p>
@@ -1043,7 +1043,7 @@
             <a:fld id="{21B9F558-6522-4C10-99CA-66D81924EF51}" type="datetimeFigureOut">
               <a:rPr lang="es-VE" smtClean="0"/>
               <a:pPr/>
-              <a:t>7/16/13</a:t>
+              <a:t>7/17/13</a:t>
             </a:fld>
             <a:endParaRPr lang="es-VE"/>
           </a:p>
@@ -1328,7 +1328,7 @@
             <a:fld id="{21B9F558-6522-4C10-99CA-66D81924EF51}" type="datetimeFigureOut">
               <a:rPr lang="es-VE" smtClean="0"/>
               <a:pPr/>
-              <a:t>7/16/13</a:t>
+              <a:t>7/17/13</a:t>
             </a:fld>
             <a:endParaRPr lang="es-VE"/>
           </a:p>
@@ -1747,7 +1747,7 @@
             <a:fld id="{21B9F558-6522-4C10-99CA-66D81924EF51}" type="datetimeFigureOut">
               <a:rPr lang="es-VE" smtClean="0"/>
               <a:pPr/>
-              <a:t>7/16/13</a:t>
+              <a:t>7/17/13</a:t>
             </a:fld>
             <a:endParaRPr lang="es-VE"/>
           </a:p>
@@ -1862,7 +1862,7 @@
             <a:fld id="{21B9F558-6522-4C10-99CA-66D81924EF51}" type="datetimeFigureOut">
               <a:rPr lang="es-VE" smtClean="0"/>
               <a:pPr/>
-              <a:t>7/16/13</a:t>
+              <a:t>7/17/13</a:t>
             </a:fld>
             <a:endParaRPr lang="es-VE"/>
           </a:p>
@@ -1954,7 +1954,7 @@
             <a:fld id="{21B9F558-6522-4C10-99CA-66D81924EF51}" type="datetimeFigureOut">
               <a:rPr lang="es-VE" smtClean="0"/>
               <a:pPr/>
-              <a:t>7/16/13</a:t>
+              <a:t>7/17/13</a:t>
             </a:fld>
             <a:endParaRPr lang="es-VE"/>
           </a:p>
@@ -2228,7 +2228,7 @@
             <a:fld id="{21B9F558-6522-4C10-99CA-66D81924EF51}" type="datetimeFigureOut">
               <a:rPr lang="es-VE" smtClean="0"/>
               <a:pPr/>
-              <a:t>7/16/13</a:t>
+              <a:t>7/17/13</a:t>
             </a:fld>
             <a:endParaRPr lang="es-VE"/>
           </a:p>
@@ -2478,7 +2478,7 @@
             <a:fld id="{21B9F558-6522-4C10-99CA-66D81924EF51}" type="datetimeFigureOut">
               <a:rPr lang="es-VE" smtClean="0"/>
               <a:pPr/>
-              <a:t>7/16/13</a:t>
+              <a:t>7/17/13</a:t>
             </a:fld>
             <a:endParaRPr lang="es-VE"/>
           </a:p>
@@ -2688,7 +2688,7 @@
             <a:fld id="{21B9F558-6522-4C10-99CA-66D81924EF51}" type="datetimeFigureOut">
               <a:rPr lang="es-VE" smtClean="0"/>
               <a:pPr/>
-              <a:t>7/16/13</a:t>
+              <a:t>7/17/13</a:t>
             </a:fld>
             <a:endParaRPr lang="es-VE"/>
           </a:p>
@@ -5282,7 +5282,15 @@
                   <a:schemeClr val="tx1"/>
                 </a:solidFill>
               </a:rPr>
-              <a:t>puertos_disponibles</a:t>
+              <a:t>puertos</a:t>
+            </a:r>
+            <a:r>
+              <a:rPr lang="en-US" sz="1000" dirty="0" err="1" smtClean="0">
+                <a:solidFill>
+                  <a:schemeClr val="tx1"/>
+                </a:solidFill>
+              </a:rPr>
+              <a:t>EnUso</a:t>
             </a:r>
             <a:endParaRPr lang="en-US" sz="1000" dirty="0" smtClean="0">
               <a:solidFill>

--- a/Documentos/er.pptx
+++ b/Documentos/er.pptx
@@ -289,7 +289,7 @@
             <a:fld id="{21B9F558-6522-4C10-99CA-66D81924EF51}" type="datetimeFigureOut">
               <a:rPr lang="es-VE" smtClean="0"/>
               <a:pPr/>
-              <a:t>7/17/13</a:t>
+              <a:t>8/8/13</a:t>
             </a:fld>
             <a:endParaRPr lang="es-VE"/>
           </a:p>
@@ -456,7 +456,7 @@
             <a:fld id="{21B9F558-6522-4C10-99CA-66D81924EF51}" type="datetimeFigureOut">
               <a:rPr lang="es-VE" smtClean="0"/>
               <a:pPr/>
-              <a:t>7/17/13</a:t>
+              <a:t>8/8/13</a:t>
             </a:fld>
             <a:endParaRPr lang="es-VE"/>
           </a:p>
@@ -633,7 +633,7 @@
             <a:fld id="{21B9F558-6522-4C10-99CA-66D81924EF51}" type="datetimeFigureOut">
               <a:rPr lang="es-VE" smtClean="0"/>
               <a:pPr/>
-              <a:t>7/17/13</a:t>
+              <a:t>8/8/13</a:t>
             </a:fld>
             <a:endParaRPr lang="es-VE"/>
           </a:p>
@@ -800,7 +800,7 @@
             <a:fld id="{21B9F558-6522-4C10-99CA-66D81924EF51}" type="datetimeFigureOut">
               <a:rPr lang="es-VE" smtClean="0"/>
               <a:pPr/>
-              <a:t>7/17/13</a:t>
+              <a:t>8/8/13</a:t>
             </a:fld>
             <a:endParaRPr lang="es-VE"/>
           </a:p>
@@ -1043,7 +1043,7 @@
             <a:fld id="{21B9F558-6522-4C10-99CA-66D81924EF51}" type="datetimeFigureOut">
               <a:rPr lang="es-VE" smtClean="0"/>
               <a:pPr/>
-              <a:t>7/17/13</a:t>
+              <a:t>8/8/13</a:t>
             </a:fld>
             <a:endParaRPr lang="es-VE"/>
           </a:p>
@@ -1328,7 +1328,7 @@
             <a:fld id="{21B9F558-6522-4C10-99CA-66D81924EF51}" type="datetimeFigureOut">
               <a:rPr lang="es-VE" smtClean="0"/>
               <a:pPr/>
-              <a:t>7/17/13</a:t>
+              <a:t>8/8/13</a:t>
             </a:fld>
             <a:endParaRPr lang="es-VE"/>
           </a:p>
@@ -1747,7 +1747,7 @@
             <a:fld id="{21B9F558-6522-4C10-99CA-66D81924EF51}" type="datetimeFigureOut">
               <a:rPr lang="es-VE" smtClean="0"/>
               <a:pPr/>
-              <a:t>7/17/13</a:t>
+              <a:t>8/8/13</a:t>
             </a:fld>
             <a:endParaRPr lang="es-VE"/>
           </a:p>
@@ -1862,7 +1862,7 @@
             <a:fld id="{21B9F558-6522-4C10-99CA-66D81924EF51}" type="datetimeFigureOut">
               <a:rPr lang="es-VE" smtClean="0"/>
               <a:pPr/>
-              <a:t>7/17/13</a:t>
+              <a:t>8/8/13</a:t>
             </a:fld>
             <a:endParaRPr lang="es-VE"/>
           </a:p>
@@ -1954,7 +1954,7 @@
             <a:fld id="{21B9F558-6522-4C10-99CA-66D81924EF51}" type="datetimeFigureOut">
               <a:rPr lang="es-VE" smtClean="0"/>
               <a:pPr/>
-              <a:t>7/17/13</a:t>
+              <a:t>8/8/13</a:t>
             </a:fld>
             <a:endParaRPr lang="es-VE"/>
           </a:p>
@@ -2228,7 +2228,7 @@
             <a:fld id="{21B9F558-6522-4C10-99CA-66D81924EF51}" type="datetimeFigureOut">
               <a:rPr lang="es-VE" smtClean="0"/>
               <a:pPr/>
-              <a:t>7/17/13</a:t>
+              <a:t>8/8/13</a:t>
             </a:fld>
             <a:endParaRPr lang="es-VE"/>
           </a:p>
@@ -2478,7 +2478,7 @@
             <a:fld id="{21B9F558-6522-4C10-99CA-66D81924EF51}" type="datetimeFigureOut">
               <a:rPr lang="es-VE" smtClean="0"/>
               <a:pPr/>
-              <a:t>7/17/13</a:t>
+              <a:t>8/8/13</a:t>
             </a:fld>
             <a:endParaRPr lang="es-VE"/>
           </a:p>
@@ -2688,7 +2688,7 @@
             <a:fld id="{21B9F558-6522-4C10-99CA-66D81924EF51}" type="datetimeFigureOut">
               <a:rPr lang="es-VE" smtClean="0"/>
               <a:pPr/>
-              <a:t>7/17/13</a:t>
+              <a:t>8/8/13</a:t>
             </a:fld>
             <a:endParaRPr lang="es-VE"/>
           </a:p>
@@ -4660,8 +4660,8 @@
         </p:nvSpPr>
         <p:spPr>
           <a:xfrm>
-            <a:off x="899592" y="4581128"/>
-            <a:ext cx="1296144" cy="936104"/>
+            <a:off x="467544" y="2924944"/>
+            <a:ext cx="1296144" cy="1008112"/>
           </a:xfrm>
           <a:prstGeom prst="roundRect">
             <a:avLst>
@@ -5118,7 +5118,7 @@
         </p:nvSpPr>
         <p:spPr>
           <a:xfrm>
-            <a:off x="-18348" y="2420888"/>
+            <a:off x="539552" y="5157192"/>
             <a:ext cx="1763688" cy="1584176"/>
           </a:xfrm>
           <a:prstGeom prst="roundRect">
@@ -5282,15 +5282,7 @@
                   <a:schemeClr val="tx1"/>
                 </a:solidFill>
               </a:rPr>
-              <a:t>puertos</a:t>
-            </a:r>
-            <a:r>
-              <a:rPr lang="en-US" sz="1000" dirty="0" err="1" smtClean="0">
-                <a:solidFill>
-                  <a:schemeClr val="tx1"/>
-                </a:solidFill>
-              </a:rPr>
-              <a:t>EnUso</a:t>
+              <a:t>puertosEnUso</a:t>
             </a:r>
             <a:endParaRPr lang="en-US" sz="1000" dirty="0" smtClean="0">
               <a:solidFill>
@@ -5370,18 +5362,18 @@
       <p:cxnSp>
         <p:nvCxnSpPr>
           <p:cNvPr id="70" name="190 Conector angular"/>
-          <p:cNvCxnSpPr>
-            <a:stCxn id="71" idx="0"/>
-          </p:cNvCxnSpPr>
+          <p:cNvCxnSpPr/>
           <p:nvPr/>
         </p:nvCxnSpPr>
         <p:spPr>
           <a:xfrm rot="5400000">
-            <a:off x="3099347" y="4980876"/>
-            <a:ext cx="208814" cy="575871"/>
-          </a:xfrm>
-          <a:prstGeom prst="bentConnector2">
-            <a:avLst/>
+            <a:off x="503548" y="2384884"/>
+            <a:ext cx="648072" cy="1"/>
+          </a:xfrm>
+          <a:prstGeom prst="bentConnector3">
+            <a:avLst>
+              <a:gd name="adj1" fmla="val 50000"/>
+            </a:avLst>
           </a:prstGeom>
           <a:ln>
             <a:solidFill>
@@ -5412,7 +5404,7 @@
         </p:nvSpPr>
         <p:spPr>
           <a:xfrm rot="10976778">
-            <a:off x="3351374" y="5020483"/>
+            <a:off x="687077" y="2140162"/>
             <a:ext cx="288032" cy="144016"/>
           </a:xfrm>
           <a:prstGeom prst="triangle">
@@ -5457,9 +5449,9 @@
           <p:nvPr/>
         </p:nvCxnSpPr>
         <p:spPr>
-          <a:xfrm>
-            <a:off x="2195736" y="5157192"/>
-            <a:ext cx="720080" cy="216024"/>
+          <a:xfrm rot="10800000">
+            <a:off x="827584" y="3933056"/>
+            <a:ext cx="648072" cy="180020"/>
           </a:xfrm>
           <a:prstGeom prst="bentConnector3">
             <a:avLst>
@@ -5501,7 +5493,7 @@
           </a:xfrm>
           <a:prstGeom prst="bentConnector3">
             <a:avLst>
-              <a:gd name="adj1" fmla="val 25506"/>
+              <a:gd name="adj1" fmla="val 17342"/>
             </a:avLst>
           </a:prstGeom>
           <a:ln>
@@ -5775,9 +5767,9 @@
           <p:nvPr/>
         </p:nvCxnSpPr>
         <p:spPr>
-          <a:xfrm rot="5400000">
-            <a:off x="359532" y="4257092"/>
-            <a:ext cx="792088" cy="288032"/>
+          <a:xfrm rot="5400000" flipH="1" flipV="1">
+            <a:off x="863590" y="4473118"/>
+            <a:ext cx="936100" cy="288032"/>
           </a:xfrm>
           <a:prstGeom prst="bentConnector3">
             <a:avLst>
@@ -5812,9 +5804,9 @@
           <p:nvPr/>
         </p:nvSpPr>
         <p:spPr>
-          <a:xfrm rot="10976778">
-            <a:off x="759085" y="4000114"/>
-            <a:ext cx="288032" cy="144016"/>
+          <a:xfrm rot="194940">
+            <a:off x="1049296" y="4952711"/>
+            <a:ext cx="413342" cy="212450"/>
           </a:xfrm>
           <a:prstGeom prst="triangle">
             <a:avLst/>
@@ -5854,18 +5846,18 @@
       <p:cxnSp>
         <p:nvCxnSpPr>
           <p:cNvPr id="81" name="Elbow Connector 307"/>
-          <p:cNvCxnSpPr/>
+          <p:cNvCxnSpPr>
+            <a:endCxn id="57" idx="0"/>
+          </p:cNvCxnSpPr>
           <p:nvPr/>
         </p:nvCxnSpPr>
         <p:spPr>
           <a:xfrm>
-            <a:off x="611560" y="4797152"/>
-            <a:ext cx="288032" cy="252028"/>
-          </a:xfrm>
-          <a:prstGeom prst="bentConnector3">
-            <a:avLst>
-              <a:gd name="adj1" fmla="val 50000"/>
-            </a:avLst>
+            <a:off x="755576" y="2636912"/>
+            <a:ext cx="360040" cy="288032"/>
+          </a:xfrm>
+          <a:prstGeom prst="bentConnector2">
+            <a:avLst/>
           </a:prstGeom>
           <a:ln>
             <a:solidFill>

--- a/Documentos/er.pptx
+++ b/Documentos/er.pptx
@@ -289,7 +289,7 @@
             <a:fld id="{21B9F558-6522-4C10-99CA-66D81924EF51}" type="datetimeFigureOut">
               <a:rPr lang="es-VE" smtClean="0"/>
               <a:pPr/>
-              <a:t>8/8/13</a:t>
+              <a:t>9/27/13</a:t>
             </a:fld>
             <a:endParaRPr lang="es-VE"/>
           </a:p>
@@ -456,7 +456,7 @@
             <a:fld id="{21B9F558-6522-4C10-99CA-66D81924EF51}" type="datetimeFigureOut">
               <a:rPr lang="es-VE" smtClean="0"/>
               <a:pPr/>
-              <a:t>8/8/13</a:t>
+              <a:t>9/27/13</a:t>
             </a:fld>
             <a:endParaRPr lang="es-VE"/>
           </a:p>
@@ -633,7 +633,7 @@
             <a:fld id="{21B9F558-6522-4C10-99CA-66D81924EF51}" type="datetimeFigureOut">
               <a:rPr lang="es-VE" smtClean="0"/>
               <a:pPr/>
-              <a:t>8/8/13</a:t>
+              <a:t>9/27/13</a:t>
             </a:fld>
             <a:endParaRPr lang="es-VE"/>
           </a:p>
@@ -800,7 +800,7 @@
             <a:fld id="{21B9F558-6522-4C10-99CA-66D81924EF51}" type="datetimeFigureOut">
               <a:rPr lang="es-VE" smtClean="0"/>
               <a:pPr/>
-              <a:t>8/8/13</a:t>
+              <a:t>9/27/13</a:t>
             </a:fld>
             <a:endParaRPr lang="es-VE"/>
           </a:p>
@@ -1043,7 +1043,7 @@
             <a:fld id="{21B9F558-6522-4C10-99CA-66D81924EF51}" type="datetimeFigureOut">
               <a:rPr lang="es-VE" smtClean="0"/>
               <a:pPr/>
-              <a:t>8/8/13</a:t>
+              <a:t>9/27/13</a:t>
             </a:fld>
             <a:endParaRPr lang="es-VE"/>
           </a:p>
@@ -1328,7 +1328,7 @@
             <a:fld id="{21B9F558-6522-4C10-99CA-66D81924EF51}" type="datetimeFigureOut">
               <a:rPr lang="es-VE" smtClean="0"/>
               <a:pPr/>
-              <a:t>8/8/13</a:t>
+              <a:t>9/27/13</a:t>
             </a:fld>
             <a:endParaRPr lang="es-VE"/>
           </a:p>
@@ -1747,7 +1747,7 @@
             <a:fld id="{21B9F558-6522-4C10-99CA-66D81924EF51}" type="datetimeFigureOut">
               <a:rPr lang="es-VE" smtClean="0"/>
               <a:pPr/>
-              <a:t>8/8/13</a:t>
+              <a:t>9/27/13</a:t>
             </a:fld>
             <a:endParaRPr lang="es-VE"/>
           </a:p>
@@ -1862,7 +1862,7 @@
             <a:fld id="{21B9F558-6522-4C10-99CA-66D81924EF51}" type="datetimeFigureOut">
               <a:rPr lang="es-VE" smtClean="0"/>
               <a:pPr/>
-              <a:t>8/8/13</a:t>
+              <a:t>9/27/13</a:t>
             </a:fld>
             <a:endParaRPr lang="es-VE"/>
           </a:p>
@@ -1954,7 +1954,7 @@
             <a:fld id="{21B9F558-6522-4C10-99CA-66D81924EF51}" type="datetimeFigureOut">
               <a:rPr lang="es-VE" smtClean="0"/>
               <a:pPr/>
-              <a:t>8/8/13</a:t>
+              <a:t>9/27/13</a:t>
             </a:fld>
             <a:endParaRPr lang="es-VE"/>
           </a:p>
@@ -2228,7 +2228,7 @@
             <a:fld id="{21B9F558-6522-4C10-99CA-66D81924EF51}" type="datetimeFigureOut">
               <a:rPr lang="es-VE" smtClean="0"/>
               <a:pPr/>
-              <a:t>8/8/13</a:t>
+              <a:t>9/27/13</a:t>
             </a:fld>
             <a:endParaRPr lang="es-VE"/>
           </a:p>
@@ -2478,7 +2478,7 @@
             <a:fld id="{21B9F558-6522-4C10-99CA-66D81924EF51}" type="datetimeFigureOut">
               <a:rPr lang="es-VE" smtClean="0"/>
               <a:pPr/>
-              <a:t>8/8/13</a:t>
+              <a:t>9/27/13</a:t>
             </a:fld>
             <a:endParaRPr lang="es-VE"/>
           </a:p>
@@ -2688,7 +2688,7 @@
             <a:fld id="{21B9F558-6522-4C10-99CA-66D81924EF51}" type="datetimeFigureOut">
               <a:rPr lang="es-VE" smtClean="0"/>
               <a:pPr/>
-              <a:t>8/8/13</a:t>
+              <a:t>9/27/13</a:t>
             </a:fld>
             <a:endParaRPr lang="es-VE"/>
           </a:p>
@@ -5751,6 +5751,31 @@
                 </a:solidFill>
               </a:rPr>
               <a:t>ipDestino</a:t>
+            </a:r>
+            <a:r>
+              <a:rPr lang="en-US" sz="1000" smtClean="0">
+                <a:solidFill>
+                  <a:schemeClr val="tx1"/>
+                </a:solidFill>
+              </a:rPr>
+              <a:t> </a:t>
+            </a:r>
+            <a:r>
+              <a:rPr lang="en-US" sz="1000" smtClean="0">
+                <a:solidFill>
+                  <a:schemeClr val="tx1"/>
+                </a:solidFill>
+                <a:sym typeface="Wingdings"/>
+              </a:rPr>
+              <a:t> </a:t>
+            </a:r>
+            <a:r>
+              <a:rPr lang="en-US" sz="1000" smtClean="0">
+                <a:solidFill>
+                  <a:schemeClr val="tx1"/>
+                </a:solidFill>
+              </a:rPr>
+              <a:t>NOVA</a:t>
             </a:r>
             <a:endParaRPr lang="en-US" sz="1000" dirty="0" smtClean="0">
               <a:solidFill>

--- a/Documentos/er.pptx
+++ b/Documentos/er.pptx
@@ -289,7 +289,7 @@
             <a:fld id="{21B9F558-6522-4C10-99CA-66D81924EF51}" type="datetimeFigureOut">
               <a:rPr lang="es-VE" smtClean="0"/>
               <a:pPr/>
-              <a:t>9/27/13</a:t>
+              <a:t>11/2/13</a:t>
             </a:fld>
             <a:endParaRPr lang="es-VE"/>
           </a:p>
@@ -456,7 +456,7 @@
             <a:fld id="{21B9F558-6522-4C10-99CA-66D81924EF51}" type="datetimeFigureOut">
               <a:rPr lang="es-VE" smtClean="0"/>
               <a:pPr/>
-              <a:t>9/27/13</a:t>
+              <a:t>11/2/13</a:t>
             </a:fld>
             <a:endParaRPr lang="es-VE"/>
           </a:p>
@@ -633,7 +633,7 @@
             <a:fld id="{21B9F558-6522-4C10-99CA-66D81924EF51}" type="datetimeFigureOut">
               <a:rPr lang="es-VE" smtClean="0"/>
               <a:pPr/>
-              <a:t>9/27/13</a:t>
+              <a:t>11/2/13</a:t>
             </a:fld>
             <a:endParaRPr lang="es-VE"/>
           </a:p>
@@ -800,7 +800,7 @@
             <a:fld id="{21B9F558-6522-4C10-99CA-66D81924EF51}" type="datetimeFigureOut">
               <a:rPr lang="es-VE" smtClean="0"/>
               <a:pPr/>
-              <a:t>9/27/13</a:t>
+              <a:t>11/2/13</a:t>
             </a:fld>
             <a:endParaRPr lang="es-VE"/>
           </a:p>
@@ -1043,7 +1043,7 @@
             <a:fld id="{21B9F558-6522-4C10-99CA-66D81924EF51}" type="datetimeFigureOut">
               <a:rPr lang="es-VE" smtClean="0"/>
               <a:pPr/>
-              <a:t>9/27/13</a:t>
+              <a:t>11/2/13</a:t>
             </a:fld>
             <a:endParaRPr lang="es-VE"/>
           </a:p>
@@ -1328,7 +1328,7 @@
             <a:fld id="{21B9F558-6522-4C10-99CA-66D81924EF51}" type="datetimeFigureOut">
               <a:rPr lang="es-VE" smtClean="0"/>
               <a:pPr/>
-              <a:t>9/27/13</a:t>
+              <a:t>11/2/13</a:t>
             </a:fld>
             <a:endParaRPr lang="es-VE"/>
           </a:p>
@@ -1747,7 +1747,7 @@
             <a:fld id="{21B9F558-6522-4C10-99CA-66D81924EF51}" type="datetimeFigureOut">
               <a:rPr lang="es-VE" smtClean="0"/>
               <a:pPr/>
-              <a:t>9/27/13</a:t>
+              <a:t>11/2/13</a:t>
             </a:fld>
             <a:endParaRPr lang="es-VE"/>
           </a:p>
@@ -1862,7 +1862,7 @@
             <a:fld id="{21B9F558-6522-4C10-99CA-66D81924EF51}" type="datetimeFigureOut">
               <a:rPr lang="es-VE" smtClean="0"/>
               <a:pPr/>
-              <a:t>9/27/13</a:t>
+              <a:t>11/2/13</a:t>
             </a:fld>
             <a:endParaRPr lang="es-VE"/>
           </a:p>
@@ -1954,7 +1954,7 @@
             <a:fld id="{21B9F558-6522-4C10-99CA-66D81924EF51}" type="datetimeFigureOut">
               <a:rPr lang="es-VE" smtClean="0"/>
               <a:pPr/>
-              <a:t>9/27/13</a:t>
+              <a:t>11/2/13</a:t>
             </a:fld>
             <a:endParaRPr lang="es-VE"/>
           </a:p>
@@ -2228,7 +2228,7 @@
             <a:fld id="{21B9F558-6522-4C10-99CA-66D81924EF51}" type="datetimeFigureOut">
               <a:rPr lang="es-VE" smtClean="0"/>
               <a:pPr/>
-              <a:t>9/27/13</a:t>
+              <a:t>11/2/13</a:t>
             </a:fld>
             <a:endParaRPr lang="es-VE"/>
           </a:p>
@@ -2478,7 +2478,7 @@
             <a:fld id="{21B9F558-6522-4C10-99CA-66D81924EF51}" type="datetimeFigureOut">
               <a:rPr lang="es-VE" smtClean="0"/>
               <a:pPr/>
-              <a:t>9/27/13</a:t>
+              <a:t>11/2/13</a:t>
             </a:fld>
             <a:endParaRPr lang="es-VE"/>
           </a:p>
@@ -2688,7 +2688,7 @@
             <a:fld id="{21B9F558-6522-4C10-99CA-66D81924EF51}" type="datetimeFigureOut">
               <a:rPr lang="es-VE" smtClean="0"/>
               <a:pPr/>
-              <a:t>9/27/13</a:t>
+              <a:t>11/2/13</a:t>
             </a:fld>
             <a:endParaRPr lang="es-VE"/>
           </a:p>
@@ -4660,7 +4660,7 @@
         </p:nvSpPr>
         <p:spPr>
           <a:xfrm>
-            <a:off x="467544" y="2924944"/>
+            <a:off x="827584" y="2924944"/>
             <a:ext cx="1296144" cy="1008112"/>
           </a:xfrm>
           <a:prstGeom prst="roundRect">
@@ -4877,7 +4877,7 @@
         </p:nvSpPr>
         <p:spPr>
           <a:xfrm>
-            <a:off x="6948264" y="3717032"/>
+            <a:off x="1763688" y="5805264"/>
             <a:ext cx="1440160" cy="792088"/>
           </a:xfrm>
           <a:prstGeom prst="roundRect">
@@ -4998,7 +4998,7 @@
         <p:spPr>
           <a:xfrm>
             <a:off x="2771800" y="4221088"/>
-            <a:ext cx="1440160" cy="792088"/>
+            <a:ext cx="1656184" cy="792088"/>
           </a:xfrm>
           <a:prstGeom prst="roundRect">
             <a:avLst>
@@ -5031,13 +5031,18 @@
           <a:p>
             <a:pPr algn="ctr"/>
             <a:r>
-              <a:rPr lang="en-US" sz="1000" b="1" dirty="0" smtClean="0">
-                <a:solidFill>
-                  <a:schemeClr val="tx1"/>
-                </a:solidFill>
-              </a:rPr>
-              <a:t>E_N</a:t>
-            </a:r>
+              <a:rPr lang="en-US" sz="1000" b="1" dirty="0" err="1" smtClean="0">
+                <a:solidFill>
+                  <a:schemeClr val="tx1"/>
+                </a:solidFill>
+              </a:rPr>
+              <a:t>Informacion_Ejecutable</a:t>
+            </a:r>
+            <a:endParaRPr lang="en-US" sz="1000" b="1" dirty="0" smtClean="0">
+              <a:solidFill>
+                <a:schemeClr val="tx1"/>
+              </a:solidFill>
+            </a:endParaRPr>
           </a:p>
           <a:p>
             <a:r>
@@ -5102,255 +5107,6 @@
               </a:rPr>
               <a:t>id_Proceso</a:t>
             </a:r>
-            <a:endParaRPr lang="en-US" sz="1000" dirty="0" smtClean="0">
-              <a:solidFill>
-                <a:schemeClr val="tx1"/>
-              </a:solidFill>
-            </a:endParaRPr>
-          </a:p>
-        </p:txBody>
-      </p:sp>
-      <p:sp>
-        <p:nvSpPr>
-          <p:cNvPr id="50" name="59 Rectángulo redondeado"/>
-          <p:cNvSpPr/>
-          <p:nvPr/>
-        </p:nvSpPr>
-        <p:spPr>
-          <a:xfrm>
-            <a:off x="539552" y="5157192"/>
-            <a:ext cx="1763688" cy="1584176"/>
-          </a:xfrm>
-          <a:prstGeom prst="roundRect">
-            <a:avLst>
-              <a:gd name="adj" fmla="val 22949"/>
-            </a:avLst>
-          </a:prstGeom>
-          <a:solidFill>
-            <a:schemeClr val="bg1"/>
-          </a:solidFill>
-        </p:spPr>
-        <p:style>
-          <a:lnRef idx="2">
-            <a:schemeClr val="accent1">
-              <a:shade val="50000"/>
-            </a:schemeClr>
-          </a:lnRef>
-          <a:fillRef idx="1">
-            <a:schemeClr val="accent1"/>
-          </a:fillRef>
-          <a:effectRef idx="0">
-            <a:schemeClr val="accent1"/>
-          </a:effectRef>
-          <a:fontRef idx="minor">
-            <a:schemeClr val="lt1"/>
-          </a:fontRef>
-        </p:style>
-        <p:txBody>
-          <a:bodyPr rtlCol="0" anchor="t"/>
-          <a:lstStyle/>
-          <a:p>
-            <a:pPr algn="ctr"/>
-            <a:r>
-              <a:rPr lang="en-US" sz="1000" b="1" dirty="0" err="1" smtClean="0">
-                <a:solidFill>
-                  <a:schemeClr val="tx1"/>
-                </a:solidFill>
-              </a:rPr>
-              <a:t>MensajesAgente</a:t>
-            </a:r>
-            <a:endParaRPr lang="en-US" sz="1000" b="1" dirty="0" smtClean="0">
-              <a:solidFill>
-                <a:schemeClr val="tx1"/>
-              </a:solidFill>
-            </a:endParaRPr>
-          </a:p>
-          <a:p>
-            <a:r>
-              <a:rPr lang="en-US" sz="1000" dirty="0" smtClean="0">
-                <a:solidFill>
-                  <a:schemeClr val="tx1"/>
-                </a:solidFill>
-              </a:rPr>
-              <a:t>*#id</a:t>
-            </a:r>
-          </a:p>
-          <a:p>
-            <a:r>
-              <a:rPr lang="en-US" sz="1000" dirty="0">
-                <a:solidFill>
-                  <a:schemeClr val="tx1"/>
-                </a:solidFill>
-              </a:rPr>
-              <a:t>*</a:t>
-            </a:r>
-            <a:r>
-              <a:rPr lang="en-US" sz="1000" dirty="0" err="1" smtClean="0">
-                <a:solidFill>
-                  <a:schemeClr val="tx1"/>
-                </a:solidFill>
-              </a:rPr>
-              <a:t>idProceso</a:t>
-            </a:r>
-            <a:endParaRPr lang="en-US" sz="1000" dirty="0" smtClean="0">
-              <a:solidFill>
-                <a:schemeClr val="tx1"/>
-              </a:solidFill>
-            </a:endParaRPr>
-          </a:p>
-          <a:p>
-            <a:r>
-              <a:rPr lang="en-US" sz="1000" dirty="0" smtClean="0">
-                <a:solidFill>
-                  <a:schemeClr val="tx1"/>
-                </a:solidFill>
-              </a:rPr>
-              <a:t>*</a:t>
-            </a:r>
-            <a:r>
-              <a:rPr lang="en-US" sz="1000" dirty="0" err="1" smtClean="0">
-                <a:solidFill>
-                  <a:schemeClr val="tx1"/>
-                </a:solidFill>
-              </a:rPr>
-              <a:t>cantidadProcesos</a:t>
-            </a:r>
-            <a:endParaRPr lang="en-US" sz="1000" dirty="0" smtClean="0">
-              <a:solidFill>
-                <a:schemeClr val="tx1"/>
-              </a:solidFill>
-            </a:endParaRPr>
-          </a:p>
-          <a:p>
-            <a:r>
-              <a:rPr lang="en-US" sz="1000" dirty="0" smtClean="0">
-                <a:solidFill>
-                  <a:schemeClr val="tx1"/>
-                </a:solidFill>
-              </a:rPr>
-              <a:t>*</a:t>
-            </a:r>
-            <a:r>
-              <a:rPr lang="en-US" sz="1000" dirty="0" err="1" smtClean="0">
-                <a:solidFill>
-                  <a:schemeClr val="tx1"/>
-                </a:solidFill>
-              </a:rPr>
-              <a:t>memoriaDisponible</a:t>
-            </a:r>
-            <a:endParaRPr lang="en-US" sz="1000" dirty="0" smtClean="0">
-              <a:solidFill>
-                <a:schemeClr val="tx1"/>
-              </a:solidFill>
-            </a:endParaRPr>
-          </a:p>
-          <a:p>
-            <a:r>
-              <a:rPr lang="en-US" sz="1000" dirty="0" smtClean="0">
-                <a:solidFill>
-                  <a:schemeClr val="tx1"/>
-                </a:solidFill>
-              </a:rPr>
-              <a:t>*</a:t>
-            </a:r>
-            <a:r>
-              <a:rPr lang="en-US" sz="1000" dirty="0" err="1" smtClean="0">
-                <a:solidFill>
-                  <a:schemeClr val="tx1"/>
-                </a:solidFill>
-              </a:rPr>
-              <a:t>uso_cpu</a:t>
-            </a:r>
-            <a:endParaRPr lang="en-US" sz="1000" dirty="0" smtClean="0">
-              <a:solidFill>
-                <a:schemeClr val="tx1"/>
-              </a:solidFill>
-            </a:endParaRPr>
-          </a:p>
-          <a:p>
-            <a:r>
-              <a:rPr lang="en-US" sz="1000" dirty="0" smtClean="0">
-                <a:solidFill>
-                  <a:schemeClr val="tx1"/>
-                </a:solidFill>
-              </a:rPr>
-              <a:t>*</a:t>
-            </a:r>
-            <a:r>
-              <a:rPr lang="en-US" sz="1000" dirty="0" err="1" smtClean="0">
-                <a:solidFill>
-                  <a:schemeClr val="tx1"/>
-                </a:solidFill>
-              </a:rPr>
-              <a:t>puertosEnUso</a:t>
-            </a:r>
-            <a:endParaRPr lang="en-US" sz="1000" dirty="0" smtClean="0">
-              <a:solidFill>
-                <a:schemeClr val="tx1"/>
-              </a:solidFill>
-            </a:endParaRPr>
-          </a:p>
-          <a:p>
-            <a:r>
-              <a:rPr lang="en-US" sz="1000" dirty="0" smtClean="0">
-                <a:solidFill>
-                  <a:schemeClr val="tx1"/>
-                </a:solidFill>
-              </a:rPr>
-              <a:t>*</a:t>
-            </a:r>
-            <a:r>
-              <a:rPr lang="en-US" sz="1000" dirty="0" err="1" smtClean="0">
-                <a:solidFill>
-                  <a:schemeClr val="tx1"/>
-                </a:solidFill>
-              </a:rPr>
-              <a:t>nombreAplicaciónActual</a:t>
-            </a:r>
-            <a:endParaRPr lang="en-US" sz="1000" dirty="0" smtClean="0">
-              <a:solidFill>
-                <a:schemeClr val="tx1"/>
-              </a:solidFill>
-            </a:endParaRPr>
-          </a:p>
-          <a:p>
-            <a:r>
-              <a:rPr lang="en-US" sz="1000" dirty="0" smtClean="0">
-                <a:solidFill>
-                  <a:schemeClr val="tx1"/>
-                </a:solidFill>
-              </a:rPr>
-              <a:t>*</a:t>
-            </a:r>
-            <a:r>
-              <a:rPr lang="en-US" sz="1000" dirty="0" err="1" smtClean="0">
-                <a:solidFill>
-                  <a:schemeClr val="tx1"/>
-                </a:solidFill>
-              </a:rPr>
-              <a:t>estadoAplicación</a:t>
-            </a:r>
-            <a:endParaRPr lang="en-US" sz="1000" dirty="0" smtClean="0">
-              <a:solidFill>
-                <a:schemeClr val="tx1"/>
-              </a:solidFill>
-            </a:endParaRPr>
-          </a:p>
-          <a:p>
-            <a:endParaRPr lang="en-US" sz="1000" dirty="0" smtClean="0">
-              <a:solidFill>
-                <a:schemeClr val="tx1"/>
-              </a:solidFill>
-            </a:endParaRPr>
-          </a:p>
-          <a:p>
-            <a:endParaRPr lang="en-US" sz="1000" dirty="0" smtClean="0">
-              <a:solidFill>
-                <a:schemeClr val="tx1"/>
-              </a:solidFill>
-            </a:endParaRPr>
-          </a:p>
-          <a:p>
             <a:endParaRPr lang="en-US" sz="1000" dirty="0" smtClean="0">
               <a:solidFill>
                 <a:schemeClr val="tx1"/>
@@ -5442,44 +5198,6 @@
           </a:p>
         </p:txBody>
       </p:sp>
-      <p:cxnSp>
-        <p:nvCxnSpPr>
-          <p:cNvPr id="73" name="Elbow Connector 307"/>
-          <p:cNvCxnSpPr/>
-          <p:nvPr/>
-        </p:nvCxnSpPr>
-        <p:spPr>
-          <a:xfrm rot="10800000">
-            <a:off x="827584" y="3933056"/>
-            <a:ext cx="648072" cy="180020"/>
-          </a:xfrm>
-          <a:prstGeom prst="bentConnector3">
-            <a:avLst>
-              <a:gd name="adj1" fmla="val 50000"/>
-            </a:avLst>
-          </a:prstGeom>
-          <a:ln>
-            <a:solidFill>
-              <a:schemeClr val="tx1"/>
-            </a:solidFill>
-            <a:prstDash val="dash"/>
-          </a:ln>
-        </p:spPr>
-        <p:style>
-          <a:lnRef idx="1">
-            <a:schemeClr val="accent1"/>
-          </a:lnRef>
-          <a:fillRef idx="0">
-            <a:schemeClr val="accent1"/>
-          </a:fillRef>
-          <a:effectRef idx="0">
-            <a:schemeClr val="accent1"/>
-          </a:effectRef>
-          <a:fontRef idx="minor">
-            <a:schemeClr val="tx1"/>
-          </a:fontRef>
-        </p:style>
-      </p:cxnSp>
       <p:cxnSp>
         <p:nvCxnSpPr>
           <p:cNvPr id="74" name="Elbow Connector 307"/>
@@ -5528,8 +5246,8 @@
         </p:nvCxnSpPr>
         <p:spPr>
           <a:xfrm rot="16200000" flipV="1">
-            <a:off x="2699792" y="3429000"/>
-            <a:ext cx="576064" cy="1008112"/>
+            <a:off x="2753798" y="3374994"/>
+            <a:ext cx="576064" cy="1116124"/>
           </a:xfrm>
           <a:prstGeom prst="bentConnector2">
             <a:avLst/>
@@ -5601,16 +5319,54 @@
           </a:p>
         </p:txBody>
       </p:sp>
-      <p:sp>
-        <p:nvSpPr>
-          <p:cNvPr id="77" name="59 Rectángulo redondeado"/>
+      <p:cxnSp>
+        <p:nvCxnSpPr>
+          <p:cNvPr id="81" name="Elbow Connector 307"/>
+          <p:cNvCxnSpPr>
+            <a:endCxn id="57" idx="0"/>
+          </p:cNvCxnSpPr>
+          <p:nvPr/>
+        </p:nvCxnSpPr>
+        <p:spPr>
+          <a:xfrm>
+            <a:off x="827584" y="2636912"/>
+            <a:ext cx="648072" cy="288032"/>
+          </a:xfrm>
+          <a:prstGeom prst="bentConnector2">
+            <a:avLst/>
+          </a:prstGeom>
+          <a:ln>
+            <a:solidFill>
+              <a:schemeClr val="tx1"/>
+            </a:solidFill>
+            <a:prstDash val="dash"/>
+          </a:ln>
+        </p:spPr>
+        <p:style>
+          <a:lnRef idx="1">
+            <a:schemeClr val="accent1"/>
+          </a:lnRef>
+          <a:fillRef idx="0">
+            <a:schemeClr val="accent1"/>
+          </a:fillRef>
+          <a:effectRef idx="0">
+            <a:schemeClr val="accent1"/>
+          </a:effectRef>
+          <a:fontRef idx="minor">
+            <a:schemeClr val="tx1"/>
+          </a:fontRef>
+        </p:style>
+      </p:cxnSp>
+      <p:sp>
+        <p:nvSpPr>
+          <p:cNvPr id="46" name="59 Rectángulo redondeado"/>
           <p:cNvSpPr/>
           <p:nvPr/>
         </p:nvSpPr>
         <p:spPr>
           <a:xfrm>
-            <a:off x="4860032" y="5301208"/>
-            <a:ext cx="1944216" cy="1152128"/>
+            <a:off x="24949" y="1124744"/>
+            <a:ext cx="1619672" cy="1008112"/>
           </a:xfrm>
           <a:prstGeom prst="roundRect">
             <a:avLst>
@@ -5648,7 +5404,7 @@
                   <a:schemeClr val="tx1"/>
                 </a:solidFill>
               </a:rPr>
-              <a:t>MensajeEntreNodos</a:t>
+              <a:t>Ejecutable</a:t>
             </a:r>
             <a:endParaRPr lang="en-US" sz="1000" b="1" dirty="0" smtClean="0">
               <a:solidFill>
@@ -5681,7 +5437,7 @@
                   <a:schemeClr val="tx1"/>
                 </a:solidFill>
               </a:rPr>
-              <a:t>fecha</a:t>
+              <a:t>nombre</a:t>
             </a:r>
             <a:endParaRPr lang="en-US" sz="1000" dirty="0" smtClean="0">
               <a:solidFill>
@@ -5691,7 +5447,7 @@
           </a:p>
           <a:p>
             <a:r>
-              <a:rPr lang="en-US" sz="1000" dirty="0">
+              <a:rPr lang="en-US" sz="1000" dirty="0" smtClean="0">
                 <a:solidFill>
                   <a:schemeClr val="tx1"/>
                 </a:solidFill>
@@ -5704,22 +5460,15 @@
                   <a:schemeClr val="tx1"/>
                 </a:solidFill>
               </a:rPr>
-              <a:t>hora</a:t>
-            </a:r>
-            <a:endParaRPr lang="en-US" sz="1000" dirty="0" smtClean="0">
-              <a:solidFill>
-                <a:schemeClr val="tx1"/>
-              </a:solidFill>
-            </a:endParaRPr>
-          </a:p>
-          <a:p>
+              <a:t>tipo</a:t>
+            </a:r>
             <a:r>
               <a:rPr lang="en-US" sz="1000" dirty="0" smtClean="0">
                 <a:solidFill>
                   <a:schemeClr val="tx1"/>
                 </a:solidFill>
               </a:rPr>
-              <a:t>*</a:t>
+              <a:t> (</a:t>
             </a:r>
             <a:r>
               <a:rPr lang="en-US" sz="1000" dirty="0" err="1" smtClean="0">
@@ -5727,22 +5476,15 @@
                   <a:schemeClr val="tx1"/>
                 </a:solidFill>
               </a:rPr>
-              <a:t>mensaje</a:t>
-            </a:r>
-            <a:endParaRPr lang="en-US" sz="1000" dirty="0" smtClean="0">
-              <a:solidFill>
-                <a:schemeClr val="tx1"/>
-              </a:solidFill>
-            </a:endParaRPr>
-          </a:p>
-          <a:p>
+              <a:t>cliente</a:t>
+            </a:r>
             <a:r>
               <a:rPr lang="en-US" sz="1000" dirty="0" smtClean="0">
                 <a:solidFill>
                   <a:schemeClr val="tx1"/>
                 </a:solidFill>
               </a:rPr>
-              <a:t>*</a:t>
+              <a:t> / </a:t>
             </a:r>
             <a:r>
               <a:rPr lang="en-US" sz="1000" dirty="0" err="1" smtClean="0">
@@ -5750,56 +5492,92 @@
                   <a:schemeClr val="tx1"/>
                 </a:solidFill>
               </a:rPr>
-              <a:t>ipDestino</a:t>
-            </a:r>
-            <a:r>
-              <a:rPr lang="en-US" sz="1000" smtClean="0">
-                <a:solidFill>
-                  <a:schemeClr val="tx1"/>
-                </a:solidFill>
-              </a:rPr>
-              <a:t> </a:t>
-            </a:r>
-            <a:r>
-              <a:rPr lang="en-US" sz="1000" smtClean="0">
-                <a:solidFill>
-                  <a:schemeClr val="tx1"/>
-                </a:solidFill>
-                <a:sym typeface="Wingdings"/>
-              </a:rPr>
-              <a:t> </a:t>
-            </a:r>
-            <a:r>
-              <a:rPr lang="en-US" sz="1000" smtClean="0">
-                <a:solidFill>
-                  <a:schemeClr val="tx1"/>
-                </a:solidFill>
-              </a:rPr>
-              <a:t>NOVA</a:t>
-            </a:r>
-            <a:endParaRPr lang="en-US" sz="1000" dirty="0" smtClean="0">
-              <a:solidFill>
-                <a:schemeClr val="tx1"/>
-              </a:solidFill>
-            </a:endParaRPr>
+              <a:t>servidor</a:t>
+            </a:r>
+            <a:r>
+              <a:rPr lang="en-US" sz="1000" dirty="0" smtClean="0">
+                <a:solidFill>
+                  <a:schemeClr val="tx1"/>
+                </a:solidFill>
+              </a:rPr>
+              <a:t>)</a:t>
+            </a:r>
+          </a:p>
+          <a:p>
+            <a:r>
+              <a:rPr lang="en-US" sz="1000" dirty="0" smtClean="0">
+                <a:solidFill>
+                  <a:schemeClr val="tx1"/>
+                </a:solidFill>
+              </a:rPr>
+              <a:t>*path</a:t>
+            </a:r>
+          </a:p>
+        </p:txBody>
+      </p:sp>
+      <p:sp>
+        <p:nvSpPr>
+          <p:cNvPr id="51" name="35 Triángulo isósceles"/>
+          <p:cNvSpPr/>
+          <p:nvPr/>
+        </p:nvSpPr>
+        <p:spPr>
+          <a:xfrm rot="5400000">
+            <a:off x="1511660" y="1520791"/>
+            <a:ext cx="360039" cy="144016"/>
+          </a:xfrm>
+          <a:prstGeom prst="triangle">
+            <a:avLst>
+              <a:gd name="adj" fmla="val 57586"/>
+            </a:avLst>
+          </a:prstGeom>
+          <a:noFill/>
+          <a:ln w="9525" cmpd="sng">
+            <a:solidFill>
+              <a:schemeClr val="tx1"/>
+            </a:solidFill>
+          </a:ln>
+        </p:spPr>
+        <p:style>
+          <a:lnRef idx="2">
+            <a:schemeClr val="accent1">
+              <a:shade val="50000"/>
+            </a:schemeClr>
+          </a:lnRef>
+          <a:fillRef idx="1">
+            <a:schemeClr val="accent1"/>
+          </a:fillRef>
+          <a:effectRef idx="0">
+            <a:schemeClr val="accent1"/>
+          </a:effectRef>
+          <a:fontRef idx="minor">
+            <a:schemeClr val="lt1"/>
+          </a:fontRef>
+        </p:style>
+        <p:txBody>
+          <a:bodyPr rtlCol="0" anchor="ctr"/>
+          <a:lstStyle/>
+          <a:p>
+            <a:pPr algn="ctr"/>
+            <a:endParaRPr lang="es-VE"/>
           </a:p>
         </p:txBody>
       </p:sp>
       <p:cxnSp>
         <p:nvCxnSpPr>
-          <p:cNvPr id="79" name="190 Conector angular"/>
-          <p:cNvCxnSpPr/>
+          <p:cNvPr id="62" name="190 Conector angular"/>
+          <p:cNvCxnSpPr>
+            <a:stCxn id="4" idx="1"/>
+          </p:cNvCxnSpPr>
           <p:nvPr/>
         </p:nvCxnSpPr>
         <p:spPr>
-          <a:xfrm rot="5400000" flipH="1" flipV="1">
-            <a:off x="863590" y="4473118"/>
-            <a:ext cx="936100" cy="288032"/>
-          </a:xfrm>
-          <a:prstGeom prst="bentConnector3">
-            <a:avLst>
-              <a:gd name="adj1" fmla="val 50000"/>
-            </a:avLst>
+          <a:xfrm rot="10800000" flipV="1">
+            <a:off x="539552" y="432048"/>
+            <a:ext cx="360040" cy="404664"/>
+          </a:xfrm>
+          <a:prstGeom prst="bentConnector2">
+            <a:avLst/>
           </a:prstGeom>
           <a:ln>
             <a:solidFill>
@@ -5824,14 +5602,14 @@
       </p:cxnSp>
       <p:sp>
         <p:nvSpPr>
-          <p:cNvPr id="80" name="64 Triángulo isósceles"/>
+          <p:cNvPr id="63" name="64 Triángulo isósceles"/>
           <p:cNvSpPr/>
           <p:nvPr/>
         </p:nvSpPr>
         <p:spPr>
-          <a:xfrm rot="194940">
-            <a:off x="1049296" y="4952711"/>
-            <a:ext cx="413342" cy="212450"/>
+          <a:xfrm rot="16027436">
+            <a:off x="674800" y="345582"/>
+            <a:ext cx="305221" cy="128519"/>
           </a:xfrm>
           <a:prstGeom prst="triangle">
             <a:avLst/>
@@ -5870,52 +5648,16 @@
       </p:sp>
       <p:cxnSp>
         <p:nvCxnSpPr>
-          <p:cNvPr id="81" name="Elbow Connector 307"/>
+          <p:cNvPr id="66" name="Elbow Connector 307"/>
           <p:cNvCxnSpPr>
-            <a:endCxn id="57" idx="0"/>
+            <a:endCxn id="46" idx="0"/>
           </p:cNvCxnSpPr>
           <p:nvPr/>
         </p:nvCxnSpPr>
         <p:spPr>
-          <a:xfrm>
-            <a:off x="755576" y="2636912"/>
-            <a:ext cx="360040" cy="288032"/>
-          </a:xfrm>
-          <a:prstGeom prst="bentConnector2">
-            <a:avLst/>
-          </a:prstGeom>
-          <a:ln>
-            <a:solidFill>
-              <a:schemeClr val="tx1"/>
-            </a:solidFill>
-            <a:prstDash val="dash"/>
-          </a:ln>
-        </p:spPr>
-        <p:style>
-          <a:lnRef idx="1">
-            <a:schemeClr val="accent1"/>
-          </a:lnRef>
-          <a:fillRef idx="0">
-            <a:schemeClr val="accent1"/>
-          </a:fillRef>
-          <a:effectRef idx="0">
-            <a:schemeClr val="accent1"/>
-          </a:effectRef>
-          <a:fontRef idx="minor">
-            <a:schemeClr val="tx1"/>
-          </a:fontRef>
-        </p:style>
-      </p:cxnSp>
-      <p:cxnSp>
-        <p:nvCxnSpPr>
-          <p:cNvPr id="86" name="Elbow Connector 307"/>
-          <p:cNvCxnSpPr/>
-          <p:nvPr/>
-        </p:nvCxnSpPr>
-        <p:spPr>
-          <a:xfrm>
-            <a:off x="3851920" y="5013176"/>
-            <a:ext cx="504056" cy="288032"/>
+          <a:xfrm rot="16200000" flipH="1">
+            <a:off x="507148" y="797107"/>
+            <a:ext cx="360040" cy="295233"/>
           </a:xfrm>
           <a:prstGeom prst="bentConnector3">
             <a:avLst>
@@ -5946,14 +5688,224 @@
       </p:cxnSp>
       <p:cxnSp>
         <p:nvCxnSpPr>
-          <p:cNvPr id="87" name="190 Conector angular"/>
+          <p:cNvPr id="52" name="Elbow Connector 307"/>
           <p:cNvCxnSpPr/>
           <p:nvPr/>
         </p:nvCxnSpPr>
         <p:spPr>
-          <a:xfrm rot="16200000" flipV="1">
-            <a:off x="4211960" y="5445224"/>
-            <a:ext cx="504056" cy="216024"/>
+          <a:xfrm rot="16200000" flipH="1">
+            <a:off x="-648580" y="3104964"/>
+            <a:ext cx="2016224" cy="72008"/>
+          </a:xfrm>
+          <a:prstGeom prst="bentConnector3">
+            <a:avLst>
+              <a:gd name="adj1" fmla="val 50000"/>
+            </a:avLst>
+          </a:prstGeom>
+          <a:ln>
+            <a:solidFill>
+              <a:schemeClr val="tx1"/>
+            </a:solidFill>
+            <a:prstDash val="dash"/>
+          </a:ln>
+        </p:spPr>
+        <p:style>
+          <a:lnRef idx="1">
+            <a:schemeClr val="accent1"/>
+          </a:lnRef>
+          <a:fillRef idx="0">
+            <a:schemeClr val="accent1"/>
+          </a:fillRef>
+          <a:effectRef idx="0">
+            <a:schemeClr val="accent1"/>
+          </a:effectRef>
+          <a:fontRef idx="minor">
+            <a:schemeClr val="tx1"/>
+          </a:fontRef>
+        </p:style>
+      </p:cxnSp>
+      <p:sp>
+        <p:nvSpPr>
+          <p:cNvPr id="58" name="58 Triángulo isósceles"/>
+          <p:cNvSpPr/>
+          <p:nvPr/>
+        </p:nvSpPr>
+        <p:spPr>
+          <a:xfrm>
+            <a:off x="899592" y="4365104"/>
+            <a:ext cx="288032" cy="144016"/>
+          </a:xfrm>
+          <a:prstGeom prst="triangle">
+            <a:avLst/>
+          </a:prstGeom>
+          <a:noFill/>
+          <a:ln w="9525" cmpd="sng">
+            <a:solidFill>
+              <a:schemeClr val="tx1"/>
+            </a:solidFill>
+          </a:ln>
+        </p:spPr>
+        <p:style>
+          <a:lnRef idx="2">
+            <a:schemeClr val="accent1">
+              <a:shade val="50000"/>
+            </a:schemeClr>
+          </a:lnRef>
+          <a:fillRef idx="1">
+            <a:schemeClr val="accent1"/>
+          </a:fillRef>
+          <a:effectRef idx="0">
+            <a:schemeClr val="accent1"/>
+          </a:effectRef>
+          <a:fontRef idx="minor">
+            <a:schemeClr val="lt1"/>
+          </a:fontRef>
+        </p:style>
+        <p:txBody>
+          <a:bodyPr rtlCol="0" anchor="ctr"/>
+          <a:lstStyle/>
+          <a:p>
+            <a:pPr algn="ctr"/>
+            <a:endParaRPr lang="es-VE"/>
+          </a:p>
+        </p:txBody>
+      </p:sp>
+      <p:sp>
+        <p:nvSpPr>
+          <p:cNvPr id="67" name="59 Rectángulo redondeado"/>
+          <p:cNvSpPr/>
+          <p:nvPr/>
+        </p:nvSpPr>
+        <p:spPr>
+          <a:xfrm>
+            <a:off x="395536" y="4509120"/>
+            <a:ext cx="1440160" cy="792088"/>
+          </a:xfrm>
+          <a:prstGeom prst="roundRect">
+            <a:avLst>
+              <a:gd name="adj" fmla="val 22949"/>
+            </a:avLst>
+          </a:prstGeom>
+          <a:solidFill>
+            <a:schemeClr val="bg1"/>
+          </a:solidFill>
+        </p:spPr>
+        <p:style>
+          <a:lnRef idx="2">
+            <a:schemeClr val="accent1">
+              <a:shade val="50000"/>
+            </a:schemeClr>
+          </a:lnRef>
+          <a:fillRef idx="1">
+            <a:schemeClr val="accent1"/>
+          </a:fillRef>
+          <a:effectRef idx="0">
+            <a:schemeClr val="accent1"/>
+          </a:effectRef>
+          <a:fontRef idx="minor">
+            <a:schemeClr val="lt1"/>
+          </a:fontRef>
+        </p:style>
+        <p:txBody>
+          <a:bodyPr rtlCol="0" anchor="t"/>
+          <a:lstStyle/>
+          <a:p>
+            <a:pPr algn="ctr"/>
+            <a:r>
+              <a:rPr lang="en-US" sz="1000" b="1" smtClean="0">
+                <a:solidFill>
+                  <a:schemeClr val="tx1"/>
+                </a:solidFill>
+              </a:rPr>
+              <a:t>EJECUTABLE_EVENTO</a:t>
+            </a:r>
+            <a:endParaRPr lang="en-US" sz="1000" b="1" dirty="0" smtClean="0">
+              <a:solidFill>
+                <a:schemeClr val="tx1"/>
+              </a:solidFill>
+            </a:endParaRPr>
+          </a:p>
+          <a:p>
+            <a:r>
+              <a:rPr lang="en-US" sz="1000" dirty="0">
+                <a:solidFill>
+                  <a:schemeClr val="tx1"/>
+                </a:solidFill>
+              </a:rPr>
+              <a:t>#</a:t>
+            </a:r>
+            <a:r>
+              <a:rPr lang="en-US" sz="1000" dirty="0" err="1" smtClean="0">
+                <a:solidFill>
+                  <a:schemeClr val="tx1"/>
+                </a:solidFill>
+              </a:rPr>
+              <a:t>fecha_Deploy</a:t>
+            </a:r>
+            <a:endParaRPr lang="en-US" sz="1000" dirty="0" smtClean="0">
+              <a:solidFill>
+                <a:schemeClr val="tx1"/>
+              </a:solidFill>
+            </a:endParaRPr>
+          </a:p>
+          <a:p>
+            <a:r>
+              <a:rPr lang="en-US" sz="1000" dirty="0" smtClean="0">
+                <a:solidFill>
+                  <a:schemeClr val="tx1"/>
+                </a:solidFill>
+              </a:rPr>
+              <a:t>#</a:t>
+            </a:r>
+            <a:r>
+              <a:rPr lang="en-US" sz="1000" dirty="0" err="1" smtClean="0">
+                <a:solidFill>
+                  <a:schemeClr val="tx1"/>
+                </a:solidFill>
+              </a:rPr>
+              <a:t>hora_Deploy</a:t>
+            </a:r>
+            <a:endParaRPr lang="en-US" sz="1000" dirty="0" smtClean="0">
+              <a:solidFill>
+                <a:schemeClr val="tx1"/>
+              </a:solidFill>
+            </a:endParaRPr>
+          </a:p>
+          <a:p>
+            <a:r>
+              <a:rPr lang="en-US" sz="1000" dirty="0" smtClean="0">
+                <a:solidFill>
+                  <a:schemeClr val="tx1"/>
+                </a:solidFill>
+              </a:rPr>
+              <a:t>*</a:t>
+            </a:r>
+            <a:r>
+              <a:rPr lang="en-US" sz="1000" dirty="0" err="1" smtClean="0">
+                <a:solidFill>
+                  <a:schemeClr val="tx1"/>
+                </a:solidFill>
+              </a:rPr>
+              <a:t>id_Proceso</a:t>
+            </a:r>
+            <a:endParaRPr lang="en-US" sz="1000" dirty="0" smtClean="0">
+              <a:solidFill>
+                <a:schemeClr val="tx1"/>
+              </a:solidFill>
+            </a:endParaRPr>
+          </a:p>
+        </p:txBody>
+      </p:sp>
+      <p:cxnSp>
+        <p:nvCxnSpPr>
+          <p:cNvPr id="72" name="190 Conector angular"/>
+          <p:cNvCxnSpPr/>
+          <p:nvPr/>
+        </p:nvCxnSpPr>
+        <p:spPr>
+          <a:xfrm rot="5400000">
+            <a:off x="719572" y="5625244"/>
+            <a:ext cx="648072" cy="1"/>
           </a:xfrm>
           <a:prstGeom prst="bentConnector3">
             <a:avLst>
@@ -5983,13 +5935,13 @@
       </p:cxnSp>
       <p:sp>
         <p:nvSpPr>
-          <p:cNvPr id="88" name="64 Triángulo isósceles"/>
+          <p:cNvPr id="82" name="64 Triángulo isósceles"/>
           <p:cNvSpPr/>
           <p:nvPr/>
         </p:nvSpPr>
         <p:spPr>
-          <a:xfrm rot="16200000">
-            <a:off x="4644008" y="5733256"/>
+          <a:xfrm rot="10976778">
+            <a:off x="903101" y="5308514"/>
             <a:ext cx="288032" cy="144016"/>
           </a:xfrm>
           <a:prstGeom prst="triangle">
@@ -6029,14 +5981,14 @@
       </p:sp>
       <p:cxnSp>
         <p:nvCxnSpPr>
-          <p:cNvPr id="89" name="190 Conector angular"/>
+          <p:cNvPr id="84" name="190 Conector angular"/>
           <p:cNvCxnSpPr/>
           <p:nvPr/>
         </p:nvCxnSpPr>
         <p:spPr>
-          <a:xfrm rot="10800000">
-            <a:off x="4572000" y="5805264"/>
-            <a:ext cx="279648" cy="12700"/>
+          <a:xfrm rot="5400000">
+            <a:off x="893244" y="4365106"/>
+            <a:ext cx="294380" cy="6349"/>
           </a:xfrm>
           <a:prstGeom prst="bentConnector3">
             <a:avLst>
@@ -6064,232 +6016,27 @@
           </a:fontRef>
         </p:style>
       </p:cxnSp>
-      <p:sp>
-        <p:nvSpPr>
-          <p:cNvPr id="46" name="59 Rectángulo redondeado"/>
-          <p:cNvSpPr/>
-          <p:nvPr/>
-        </p:nvSpPr>
-        <p:spPr>
-          <a:xfrm>
-            <a:off x="24949" y="1124744"/>
-            <a:ext cx="1619672" cy="1008112"/>
-          </a:xfrm>
-          <a:prstGeom prst="roundRect">
-            <a:avLst>
-              <a:gd name="adj" fmla="val 22949"/>
-            </a:avLst>
-          </a:prstGeom>
-          <a:solidFill>
-            <a:schemeClr val="bg1"/>
-          </a:solidFill>
-        </p:spPr>
-        <p:style>
-          <a:lnRef idx="2">
-            <a:schemeClr val="accent1">
-              <a:shade val="50000"/>
-            </a:schemeClr>
-          </a:lnRef>
-          <a:fillRef idx="1">
-            <a:schemeClr val="accent1"/>
-          </a:fillRef>
-          <a:effectRef idx="0">
-            <a:schemeClr val="accent1"/>
-          </a:effectRef>
-          <a:fontRef idx="minor">
-            <a:schemeClr val="lt1"/>
-          </a:fontRef>
-        </p:style>
-        <p:txBody>
-          <a:bodyPr rtlCol="0" anchor="t"/>
-          <a:lstStyle/>
-          <a:p>
-            <a:pPr algn="ctr"/>
-            <a:r>
-              <a:rPr lang="en-US" sz="1000" b="1" dirty="0" err="1" smtClean="0">
-                <a:solidFill>
-                  <a:schemeClr val="tx1"/>
-                </a:solidFill>
-              </a:rPr>
-              <a:t>Ejecutable</a:t>
-            </a:r>
-            <a:endParaRPr lang="en-US" sz="1000" b="1" dirty="0" smtClean="0">
-              <a:solidFill>
-                <a:schemeClr val="tx1"/>
-              </a:solidFill>
-            </a:endParaRPr>
-          </a:p>
-          <a:p>
-            <a:r>
-              <a:rPr lang="en-US" sz="1000" dirty="0" smtClean="0">
-                <a:solidFill>
-                  <a:schemeClr val="tx1"/>
-                </a:solidFill>
-              </a:rPr>
-              <a:t>*#id</a:t>
-            </a:r>
-          </a:p>
-          <a:p>
-            <a:r>
-              <a:rPr lang="en-US" sz="1000" dirty="0" smtClean="0">
-                <a:solidFill>
-                  <a:schemeClr val="tx1"/>
-                </a:solidFill>
-              </a:rPr>
-              <a:t>*</a:t>
-            </a:r>
-            <a:r>
-              <a:rPr lang="en-US" sz="1000" dirty="0" err="1" smtClean="0">
-                <a:solidFill>
-                  <a:schemeClr val="tx1"/>
-                </a:solidFill>
-              </a:rPr>
-              <a:t>nombre</a:t>
-            </a:r>
-            <a:endParaRPr lang="en-US" sz="1000" dirty="0" smtClean="0">
-              <a:solidFill>
-                <a:schemeClr val="tx1"/>
-              </a:solidFill>
-            </a:endParaRPr>
-          </a:p>
-          <a:p>
-            <a:r>
-              <a:rPr lang="en-US" sz="1000" dirty="0" smtClean="0">
-                <a:solidFill>
-                  <a:schemeClr val="tx1"/>
-                </a:solidFill>
-              </a:rPr>
-              <a:t>*</a:t>
-            </a:r>
-            <a:r>
-              <a:rPr lang="en-US" sz="1000" dirty="0" err="1" smtClean="0">
-                <a:solidFill>
-                  <a:schemeClr val="tx1"/>
-                </a:solidFill>
-              </a:rPr>
-              <a:t>tipo</a:t>
-            </a:r>
-            <a:r>
-              <a:rPr lang="en-US" sz="1000" dirty="0" smtClean="0">
-                <a:solidFill>
-                  <a:schemeClr val="tx1"/>
-                </a:solidFill>
-              </a:rPr>
-              <a:t> (</a:t>
-            </a:r>
-            <a:r>
-              <a:rPr lang="en-US" sz="1000" dirty="0" err="1" smtClean="0">
-                <a:solidFill>
-                  <a:schemeClr val="tx1"/>
-                </a:solidFill>
-              </a:rPr>
-              <a:t>cliente</a:t>
-            </a:r>
-            <a:r>
-              <a:rPr lang="en-US" sz="1000" dirty="0" smtClean="0">
-                <a:solidFill>
-                  <a:schemeClr val="tx1"/>
-                </a:solidFill>
-              </a:rPr>
-              <a:t> / </a:t>
-            </a:r>
-            <a:r>
-              <a:rPr lang="en-US" sz="1000" dirty="0" err="1" smtClean="0">
-                <a:solidFill>
-                  <a:schemeClr val="tx1"/>
-                </a:solidFill>
-              </a:rPr>
-              <a:t>servidor</a:t>
-            </a:r>
-            <a:r>
-              <a:rPr lang="en-US" sz="1000" dirty="0" smtClean="0">
-                <a:solidFill>
-                  <a:schemeClr val="tx1"/>
-                </a:solidFill>
-              </a:rPr>
-              <a:t>)</a:t>
-            </a:r>
-          </a:p>
-          <a:p>
-            <a:r>
-              <a:rPr lang="en-US" sz="1000" dirty="0" smtClean="0">
-                <a:solidFill>
-                  <a:schemeClr val="tx1"/>
-                </a:solidFill>
-              </a:rPr>
-              <a:t>*path</a:t>
-            </a:r>
-          </a:p>
-        </p:txBody>
-      </p:sp>
-      <p:sp>
-        <p:nvSpPr>
-          <p:cNvPr id="51" name="35 Triángulo isósceles"/>
-          <p:cNvSpPr/>
-          <p:nvPr/>
-        </p:nvSpPr>
-        <p:spPr>
-          <a:xfrm rot="5400000">
-            <a:off x="1511660" y="1520791"/>
-            <a:ext cx="360039" cy="144016"/>
-          </a:xfrm>
-          <a:prstGeom prst="triangle">
-            <a:avLst>
-              <a:gd name="adj" fmla="val 57586"/>
-            </a:avLst>
-          </a:prstGeom>
-          <a:noFill/>
-          <a:ln w="9525" cmpd="sng">
-            <a:solidFill>
-              <a:schemeClr val="tx1"/>
-            </a:solidFill>
-          </a:ln>
-        </p:spPr>
-        <p:style>
-          <a:lnRef idx="2">
-            <a:schemeClr val="accent1">
-              <a:shade val="50000"/>
-            </a:schemeClr>
-          </a:lnRef>
-          <a:fillRef idx="1">
-            <a:schemeClr val="accent1"/>
-          </a:fillRef>
-          <a:effectRef idx="0">
-            <a:schemeClr val="accent1"/>
-          </a:effectRef>
-          <a:fontRef idx="minor">
-            <a:schemeClr val="lt1"/>
-          </a:fontRef>
-        </p:style>
-        <p:txBody>
-          <a:bodyPr rtlCol="0" anchor="ctr"/>
-          <a:lstStyle/>
-          <a:p>
-            <a:pPr algn="ctr"/>
-            <a:endParaRPr lang="es-VE"/>
-          </a:p>
-        </p:txBody>
-      </p:sp>
       <p:cxnSp>
         <p:nvCxnSpPr>
-          <p:cNvPr id="62" name="190 Conector angular"/>
-          <p:cNvCxnSpPr>
-            <a:stCxn id="4" idx="1"/>
-          </p:cNvCxnSpPr>
+          <p:cNvPr id="85" name="Elbow Connector 307"/>
+          <p:cNvCxnSpPr/>
           <p:nvPr/>
         </p:nvCxnSpPr>
         <p:spPr>
-          <a:xfrm rot="10800000" flipV="1">
-            <a:off x="539552" y="432048"/>
-            <a:ext cx="360040" cy="404664"/>
-          </a:xfrm>
-          <a:prstGeom prst="bentConnector2">
-            <a:avLst/>
+          <a:xfrm>
+            <a:off x="395536" y="4149080"/>
+            <a:ext cx="648072" cy="72008"/>
+          </a:xfrm>
+          <a:prstGeom prst="bentConnector3">
+            <a:avLst>
+              <a:gd name="adj1" fmla="val 50000"/>
+            </a:avLst>
           </a:prstGeom>
           <a:ln>
             <a:solidFill>
               <a:schemeClr val="tx1"/>
             </a:solidFill>
+            <a:prstDash val="dash"/>
           </a:ln>
         </p:spPr>
         <p:style>
@@ -6307,64 +6054,18 @@
           </a:fontRef>
         </p:style>
       </p:cxnSp>
-      <p:sp>
-        <p:nvSpPr>
-          <p:cNvPr id="63" name="64 Triángulo isósceles"/>
-          <p:cNvSpPr/>
-          <p:nvPr/>
-        </p:nvSpPr>
-        <p:spPr>
-          <a:xfrm rot="16027436">
-            <a:off x="674800" y="345582"/>
-            <a:ext cx="305221" cy="128519"/>
-          </a:xfrm>
-          <a:prstGeom prst="triangle">
-            <a:avLst/>
-          </a:prstGeom>
-          <a:noFill/>
-          <a:ln w="9525" cmpd="sng">
-            <a:solidFill>
-              <a:schemeClr val="tx1"/>
-            </a:solidFill>
-          </a:ln>
-        </p:spPr>
-        <p:style>
-          <a:lnRef idx="2">
-            <a:schemeClr val="accent1">
-              <a:shade val="50000"/>
-            </a:schemeClr>
-          </a:lnRef>
-          <a:fillRef idx="1">
-            <a:schemeClr val="accent1"/>
-          </a:fillRef>
-          <a:effectRef idx="0">
-            <a:schemeClr val="accent1"/>
-          </a:effectRef>
-          <a:fontRef idx="minor">
-            <a:schemeClr val="lt1"/>
-          </a:fontRef>
-        </p:style>
-        <p:txBody>
-          <a:bodyPr rtlCol="0" anchor="ctr"/>
-          <a:lstStyle/>
-          <a:p>
-            <a:pPr algn="ctr"/>
-            <a:endParaRPr lang="es-VE"/>
-          </a:p>
-        </p:txBody>
-      </p:sp>
       <p:cxnSp>
         <p:nvCxnSpPr>
-          <p:cNvPr id="66" name="Elbow Connector 307"/>
+          <p:cNvPr id="90" name="Elbow Connector 307"/>
           <p:cNvCxnSpPr>
-            <a:endCxn id="46" idx="0"/>
+            <a:endCxn id="78" idx="1"/>
           </p:cNvCxnSpPr>
           <p:nvPr/>
         </p:nvCxnSpPr>
         <p:spPr>
-          <a:xfrm rot="16200000" flipH="1">
-            <a:off x="507148" y="797107"/>
-            <a:ext cx="360040" cy="295233"/>
+          <a:xfrm>
+            <a:off x="1043608" y="5949280"/>
+            <a:ext cx="720080" cy="252028"/>
           </a:xfrm>
           <a:prstGeom prst="bentConnector3">
             <a:avLst>
